--- a/Slides/2 - Interfacce Utente/01 - Interfacce Utente - MVC.pptx
+++ b/Slides/2 - Interfacce Utente/01 - Interfacce Utente - MVC.pptx
@@ -15,16 +15,19 @@
     <p:sldId id="260" r:id="rId11"/>
     <p:sldId id="261" r:id="rId12"/>
     <p:sldId id="262" r:id="rId13"/>
+    <p:sldId id="263" r:id="rId14"/>
+    <p:sldId id="264" r:id="rId15"/>
+    <p:sldId id="265" r:id="rId16"/>
   </p:sldIdLst>
   <p:sldSz cy="5143500" cx="9144000"/>
   <p:notesSz cx="6858000" cy="9144000"/>
   <p:embeddedFontLst>
     <p:embeddedFont>
       <p:font typeface="Roboto"/>
-      <p:regular r:id="rId14"/>
-      <p:bold r:id="rId15"/>
-      <p:italic r:id="rId16"/>
-      <p:boldItalic r:id="rId17"/>
+      <p:regular r:id="rId17"/>
+      <p:bold r:id="rId18"/>
+      <p:italic r:id="rId19"/>
+      <p:boldItalic r:id="rId20"/>
     </p:embeddedFont>
   </p:embeddedFontLst>
   <p:defaultTextStyle>
@@ -800,6 +803,105 @@
 </p:notes>
 </file>
 
+<file path=ppt/notesSlides/notesSlide10.xml><?xml version="1.0" encoding="utf-8"?>
+<p:notes xmlns:a="http://schemas.openxmlformats.org/drawingml/2006/main" xmlns:r="http://schemas.openxmlformats.org/officeDocument/2006/relationships" xmlns:mc="http://schemas.openxmlformats.org/markup-compatibility/2006" xmlns:mv="urn:schemas-microsoft-com:mac:vml" xmlns:p="http://schemas.openxmlformats.org/presentationml/2006/main" xmlns:c="http://schemas.openxmlformats.org/drawingml/2006/chart" xmlns:dgm="http://schemas.openxmlformats.org/drawingml/2006/diagram" xmlns:o="urn:schemas-microsoft-com:office:office" xmlns:v="urn:schemas-microsoft-com:vml" xmlns:pvml="urn:schemas-microsoft-com:office:powerpoint" xmlns:com="http://schemas.openxmlformats.org/drawingml/2006/compatibility" xmlns:p14="http://schemas.microsoft.com/office/powerpoint/2010/main" xmlns:p15="http://schemas.microsoft.com/office/powerpoint/2012/main" xmlns:ahyp="http://schemas.microsoft.com/office/drawing/2018/hyperlinkcolor" showMasterPhAnim="0" showMasterSp="0">
+  <p:cSld>
+    <p:spTree>
+      <p:nvGrpSpPr>
+        <p:cNvPr id="145" name="Shape 145"/>
+        <p:cNvGrpSpPr/>
+        <p:nvPr/>
+      </p:nvGrpSpPr>
+      <p:grpSpPr>
+        <a:xfrm>
+          <a:off x="0" y="0"/>
+          <a:ext cx="0" cy="0"/>
+          <a:chOff x="0" y="0"/>
+          <a:chExt cx="0" cy="0"/>
+        </a:xfrm>
+      </p:grpSpPr>
+      <p:sp>
+        <p:nvSpPr>
+          <p:cNvPr id="146" name="Google Shape;146;g119e71b08a4_0_4:notes"/>
+          <p:cNvSpPr/>
+          <p:nvPr>
+            <p:ph idx="2" type="sldImg"/>
+          </p:nvPr>
+        </p:nvSpPr>
+        <p:spPr>
+          <a:xfrm>
+            <a:off x="381300" y="685800"/>
+            <a:ext cx="6096000" cy="3429000"/>
+          </a:xfrm>
+          <a:custGeom>
+            <a:rect b="b" l="l" r="r" t="t"/>
+            <a:pathLst>
+              <a:path extrusionOk="0" h="120000" w="120000">
+                <a:moveTo>
+                  <a:pt x="0" y="0"/>
+                </a:moveTo>
+                <a:lnTo>
+                  <a:pt x="120000" y="0"/>
+                </a:lnTo>
+                <a:lnTo>
+                  <a:pt x="120000" y="120000"/>
+                </a:lnTo>
+                <a:lnTo>
+                  <a:pt x="0" y="120000"/>
+                </a:lnTo>
+                <a:close/>
+              </a:path>
+            </a:pathLst>
+          </a:custGeom>
+        </p:spPr>
+      </p:sp>
+      <p:sp>
+        <p:nvSpPr>
+          <p:cNvPr id="147" name="Google Shape;147;g119e71b08a4_0_4:notes"/>
+          <p:cNvSpPr txBox="1"/>
+          <p:nvPr>
+            <p:ph idx="1" type="body"/>
+          </p:nvPr>
+        </p:nvSpPr>
+        <p:spPr>
+          <a:xfrm>
+            <a:off x="685800" y="4343400"/>
+            <a:ext cx="5486400" cy="4114800"/>
+          </a:xfrm>
+          <a:prstGeom prst="rect">
+            <a:avLst/>
+          </a:prstGeom>
+        </p:spPr>
+        <p:txBody>
+          <a:bodyPr anchorCtr="0" anchor="t" bIns="91425" lIns="91425" spcFirstLastPara="1" rIns="91425" wrap="square" tIns="91425">
+            <a:noAutofit/>
+          </a:bodyPr>
+          <a:lstStyle/>
+          <a:p>
+            <a:pPr indent="0" lvl="0" marL="0" rtl="0" algn="l">
+              <a:spcBef>
+                <a:spcPts val="0"/>
+              </a:spcBef>
+              <a:spcAft>
+                <a:spcPts val="0"/>
+              </a:spcAft>
+              <a:buNone/>
+            </a:pPr>
+            <a:r>
+              <a:t/>
+            </a:r>
+            <a:endParaRPr/>
+          </a:p>
+        </p:txBody>
+      </p:sp>
+    </p:spTree>
+  </p:cSld>
+  <p:clrMapOvr>
+    <a:masterClrMapping/>
+  </p:clrMapOvr>
+</p:notes>
+</file>
+
 <file path=ppt/notesSlides/notesSlide2.xml><?xml version="1.0" encoding="utf-8"?>
 <p:notes xmlns:a="http://schemas.openxmlformats.org/drawingml/2006/main" xmlns:r="http://schemas.openxmlformats.org/officeDocument/2006/relationships" xmlns:mc="http://schemas.openxmlformats.org/markup-compatibility/2006" xmlns:mv="urn:schemas-microsoft-com:mac:vml" xmlns:p="http://schemas.openxmlformats.org/presentationml/2006/main" xmlns:c="http://schemas.openxmlformats.org/drawingml/2006/chart" xmlns:dgm="http://schemas.openxmlformats.org/drawingml/2006/diagram" xmlns:o="urn:schemas-microsoft-com:office:office" xmlns:v="urn:schemas-microsoft-com:vml" xmlns:pvml="urn:schemas-microsoft-com:office:powerpoint" xmlns:com="http://schemas.openxmlformats.org/drawingml/2006/compatibility" xmlns:p14="http://schemas.microsoft.com/office/powerpoint/2010/main" xmlns:p15="http://schemas.microsoft.com/office/powerpoint/2012/main" xmlns:ahyp="http://schemas.microsoft.com/office/drawing/2018/hyperlinkcolor" showMasterPhAnim="0" showMasterSp="0">
   <p:cSld>
@@ -1350,6 +1452,204 @@
       <p:sp>
         <p:nvSpPr>
           <p:cNvPr id="130" name="Google Shape;130;gf38bc44de3_0_19:notes"/>
+          <p:cNvSpPr txBox="1"/>
+          <p:nvPr>
+            <p:ph idx="1" type="body"/>
+          </p:nvPr>
+        </p:nvSpPr>
+        <p:spPr>
+          <a:xfrm>
+            <a:off x="685800" y="4343400"/>
+            <a:ext cx="5486400" cy="4114800"/>
+          </a:xfrm>
+          <a:prstGeom prst="rect">
+            <a:avLst/>
+          </a:prstGeom>
+        </p:spPr>
+        <p:txBody>
+          <a:bodyPr anchorCtr="0" anchor="t" bIns="91425" lIns="91425" spcFirstLastPara="1" rIns="91425" wrap="square" tIns="91425">
+            <a:noAutofit/>
+          </a:bodyPr>
+          <a:lstStyle/>
+          <a:p>
+            <a:pPr indent="0" lvl="0" marL="0" rtl="0" algn="l">
+              <a:spcBef>
+                <a:spcPts val="0"/>
+              </a:spcBef>
+              <a:spcAft>
+                <a:spcPts val="0"/>
+              </a:spcAft>
+              <a:buNone/>
+            </a:pPr>
+            <a:r>
+              <a:t/>
+            </a:r>
+            <a:endParaRPr/>
+          </a:p>
+        </p:txBody>
+      </p:sp>
+    </p:spTree>
+  </p:cSld>
+  <p:clrMapOvr>
+    <a:masterClrMapping/>
+  </p:clrMapOvr>
+</p:notes>
+</file>
+
+<file path=ppt/notesSlides/notesSlide8.xml><?xml version="1.0" encoding="utf-8"?>
+<p:notes xmlns:a="http://schemas.openxmlformats.org/drawingml/2006/main" xmlns:r="http://schemas.openxmlformats.org/officeDocument/2006/relationships" xmlns:mc="http://schemas.openxmlformats.org/markup-compatibility/2006" xmlns:mv="urn:schemas-microsoft-com:mac:vml" xmlns:p="http://schemas.openxmlformats.org/presentationml/2006/main" xmlns:c="http://schemas.openxmlformats.org/drawingml/2006/chart" xmlns:dgm="http://schemas.openxmlformats.org/drawingml/2006/diagram" xmlns:o="urn:schemas-microsoft-com:office:office" xmlns:v="urn:schemas-microsoft-com:vml" xmlns:pvml="urn:schemas-microsoft-com:office:powerpoint" xmlns:com="http://schemas.openxmlformats.org/drawingml/2006/compatibility" xmlns:p14="http://schemas.microsoft.com/office/powerpoint/2010/main" xmlns:p15="http://schemas.microsoft.com/office/powerpoint/2012/main" xmlns:ahyp="http://schemas.microsoft.com/office/drawing/2018/hyperlinkcolor" showMasterPhAnim="0" showMasterSp="0">
+  <p:cSld>
+    <p:spTree>
+      <p:nvGrpSpPr>
+        <p:cNvPr id="134" name="Shape 134"/>
+        <p:cNvGrpSpPr/>
+        <p:nvPr/>
+      </p:nvGrpSpPr>
+      <p:grpSpPr>
+        <a:xfrm>
+          <a:off x="0" y="0"/>
+          <a:ext cx="0" cy="0"/>
+          <a:chOff x="0" y="0"/>
+          <a:chExt cx="0" cy="0"/>
+        </a:xfrm>
+      </p:grpSpPr>
+      <p:sp>
+        <p:nvSpPr>
+          <p:cNvPr id="135" name="Google Shape;135;g119e71b08a4_0_0:notes"/>
+          <p:cNvSpPr/>
+          <p:nvPr>
+            <p:ph idx="2" type="sldImg"/>
+          </p:nvPr>
+        </p:nvSpPr>
+        <p:spPr>
+          <a:xfrm>
+            <a:off x="381300" y="685800"/>
+            <a:ext cx="6096000" cy="3429000"/>
+          </a:xfrm>
+          <a:custGeom>
+            <a:rect b="b" l="l" r="r" t="t"/>
+            <a:pathLst>
+              <a:path extrusionOk="0" h="120000" w="120000">
+                <a:moveTo>
+                  <a:pt x="0" y="0"/>
+                </a:moveTo>
+                <a:lnTo>
+                  <a:pt x="120000" y="0"/>
+                </a:lnTo>
+                <a:lnTo>
+                  <a:pt x="120000" y="120000"/>
+                </a:lnTo>
+                <a:lnTo>
+                  <a:pt x="0" y="120000"/>
+                </a:lnTo>
+                <a:close/>
+              </a:path>
+            </a:pathLst>
+          </a:custGeom>
+        </p:spPr>
+      </p:sp>
+      <p:sp>
+        <p:nvSpPr>
+          <p:cNvPr id="136" name="Google Shape;136;g119e71b08a4_0_0:notes"/>
+          <p:cNvSpPr txBox="1"/>
+          <p:nvPr>
+            <p:ph idx="1" type="body"/>
+          </p:nvPr>
+        </p:nvSpPr>
+        <p:spPr>
+          <a:xfrm>
+            <a:off x="685800" y="4343400"/>
+            <a:ext cx="5486400" cy="4114800"/>
+          </a:xfrm>
+          <a:prstGeom prst="rect">
+            <a:avLst/>
+          </a:prstGeom>
+        </p:spPr>
+        <p:txBody>
+          <a:bodyPr anchorCtr="0" anchor="t" bIns="91425" lIns="91425" spcFirstLastPara="1" rIns="91425" wrap="square" tIns="91425">
+            <a:noAutofit/>
+          </a:bodyPr>
+          <a:lstStyle/>
+          <a:p>
+            <a:pPr indent="0" lvl="0" marL="0" rtl="0" algn="l">
+              <a:spcBef>
+                <a:spcPts val="0"/>
+              </a:spcBef>
+              <a:spcAft>
+                <a:spcPts val="0"/>
+              </a:spcAft>
+              <a:buNone/>
+            </a:pPr>
+            <a:r>
+              <a:t/>
+            </a:r>
+            <a:endParaRPr/>
+          </a:p>
+        </p:txBody>
+      </p:sp>
+    </p:spTree>
+  </p:cSld>
+  <p:clrMapOvr>
+    <a:masterClrMapping/>
+  </p:clrMapOvr>
+</p:notes>
+</file>
+
+<file path=ppt/notesSlides/notesSlide9.xml><?xml version="1.0" encoding="utf-8"?>
+<p:notes xmlns:a="http://schemas.openxmlformats.org/drawingml/2006/main" xmlns:r="http://schemas.openxmlformats.org/officeDocument/2006/relationships" xmlns:mc="http://schemas.openxmlformats.org/markup-compatibility/2006" xmlns:mv="urn:schemas-microsoft-com:mac:vml" xmlns:p="http://schemas.openxmlformats.org/presentationml/2006/main" xmlns:c="http://schemas.openxmlformats.org/drawingml/2006/chart" xmlns:dgm="http://schemas.openxmlformats.org/drawingml/2006/diagram" xmlns:o="urn:schemas-microsoft-com:office:office" xmlns:v="urn:schemas-microsoft-com:vml" xmlns:pvml="urn:schemas-microsoft-com:office:powerpoint" xmlns:com="http://schemas.openxmlformats.org/drawingml/2006/compatibility" xmlns:p14="http://schemas.microsoft.com/office/powerpoint/2010/main" xmlns:p15="http://schemas.microsoft.com/office/powerpoint/2012/main" xmlns:ahyp="http://schemas.microsoft.com/office/drawing/2018/hyperlinkcolor" showMasterPhAnim="0" showMasterSp="0">
+  <p:cSld>
+    <p:spTree>
+      <p:nvGrpSpPr>
+        <p:cNvPr id="139" name="Shape 139"/>
+        <p:cNvGrpSpPr/>
+        <p:nvPr/>
+      </p:nvGrpSpPr>
+      <p:grpSpPr>
+        <a:xfrm>
+          <a:off x="0" y="0"/>
+          <a:ext cx="0" cy="0"/>
+          <a:chOff x="0" y="0"/>
+          <a:chExt cx="0" cy="0"/>
+        </a:xfrm>
+      </p:grpSpPr>
+      <p:sp>
+        <p:nvSpPr>
+          <p:cNvPr id="140" name="Google Shape;140;g119e71b08a4_0_9:notes"/>
+          <p:cNvSpPr/>
+          <p:nvPr>
+            <p:ph idx="2" type="sldImg"/>
+          </p:nvPr>
+        </p:nvSpPr>
+        <p:spPr>
+          <a:xfrm>
+            <a:off x="381188" y="685800"/>
+            <a:ext cx="6096300" cy="3429000"/>
+          </a:xfrm>
+          <a:custGeom>
+            <a:rect b="b" l="l" r="r" t="t"/>
+            <a:pathLst>
+              <a:path extrusionOk="0" h="120000" w="120000">
+                <a:moveTo>
+                  <a:pt x="0" y="0"/>
+                </a:moveTo>
+                <a:lnTo>
+                  <a:pt x="120000" y="0"/>
+                </a:lnTo>
+                <a:lnTo>
+                  <a:pt x="120000" y="120000"/>
+                </a:lnTo>
+                <a:lnTo>
+                  <a:pt x="0" y="120000"/>
+                </a:lnTo>
+                <a:close/>
+              </a:path>
+            </a:pathLst>
+          </a:custGeom>
+        </p:spPr>
+      </p:sp>
+      <p:sp>
+        <p:nvSpPr>
+          <p:cNvPr id="141" name="Google Shape;141;g119e71b08a4_0_9:notes"/>
           <p:cNvSpPr txBox="1"/>
           <p:nvPr>
             <p:ph idx="1" type="body"/>
@@ -7436,6 +7736,2047 @@
 </p:sld>
 </file>
 
+<file path=ppt/slides/slide10.xml><?xml version="1.0" encoding="utf-8"?>
+<p:sld xmlns:a="http://schemas.openxmlformats.org/drawingml/2006/main" xmlns:r="http://schemas.openxmlformats.org/officeDocument/2006/relationships" xmlns:mc="http://schemas.openxmlformats.org/markup-compatibility/2006" xmlns:mv="urn:schemas-microsoft-com:mac:vml" xmlns:p="http://schemas.openxmlformats.org/presentationml/2006/main" xmlns:c="http://schemas.openxmlformats.org/drawingml/2006/chart" xmlns:dgm="http://schemas.openxmlformats.org/drawingml/2006/diagram" xmlns:o="urn:schemas-microsoft-com:office:office" xmlns:v="urn:schemas-microsoft-com:vml" xmlns:pvml="urn:schemas-microsoft-com:office:powerpoint" xmlns:com="http://schemas.openxmlformats.org/drawingml/2006/compatibility" xmlns:p14="http://schemas.microsoft.com/office/powerpoint/2010/main" xmlns:p15="http://schemas.microsoft.com/office/powerpoint/2012/main" xmlns:ahyp="http://schemas.microsoft.com/office/drawing/2018/hyperlinkcolor">
+  <p:cSld>
+    <p:spTree>
+      <p:nvGrpSpPr>
+        <p:cNvPr id="148" name="Shape 148"/>
+        <p:cNvGrpSpPr/>
+        <p:nvPr/>
+      </p:nvGrpSpPr>
+      <p:grpSpPr>
+        <a:xfrm>
+          <a:off x="0" y="0"/>
+          <a:ext cx="0" cy="0"/>
+          <a:chOff x="0" y="0"/>
+          <a:chExt cx="0" cy="0"/>
+        </a:xfrm>
+      </p:grpSpPr>
+      <p:sp>
+        <p:nvSpPr>
+          <p:cNvPr id="149" name="Google Shape;149;p22"/>
+          <p:cNvSpPr txBox="1"/>
+          <p:nvPr>
+            <p:ph type="title"/>
+          </p:nvPr>
+        </p:nvSpPr>
+        <p:spPr>
+          <a:xfrm>
+            <a:off x="98250" y="16350"/>
+            <a:ext cx="8826600" cy="602700"/>
+          </a:xfrm>
+          <a:prstGeom prst="rect">
+            <a:avLst/>
+          </a:prstGeom>
+        </p:spPr>
+        <p:txBody>
+          <a:bodyPr anchorCtr="0" anchor="ctr" bIns="91425" lIns="91425" spcFirstLastPara="1" rIns="91425" wrap="square" tIns="91425">
+            <a:noAutofit/>
+          </a:bodyPr>
+          <a:lstStyle/>
+          <a:p>
+            <a:pPr indent="0" lvl="0" marL="0" rtl="0" algn="l">
+              <a:spcBef>
+                <a:spcPts val="0"/>
+              </a:spcBef>
+              <a:spcAft>
+                <a:spcPts val="0"/>
+              </a:spcAft>
+              <a:buNone/>
+            </a:pPr>
+            <a:r>
+              <a:rPr lang="it"/>
+              <a:t>Esempio</a:t>
+            </a:r>
+            <a:endParaRPr/>
+          </a:p>
+        </p:txBody>
+      </p:sp>
+      <p:graphicFrame>
+        <p:nvGraphicFramePr>
+          <p:cNvPr id="150" name="Google Shape;150;p22"/>
+          <p:cNvGraphicFramePr/>
+          <p:nvPr/>
+        </p:nvGraphicFramePr>
+        <p:xfrm>
+          <a:off x="-12" y="810095"/>
+          <a:ext cx="3000000" cy="3000000"/>
+        </p:xfrm>
+        <a:graphic>
+          <a:graphicData uri="http://schemas.openxmlformats.org/drawingml/2006/table">
+            <a:tbl>
+              <a:tblPr>
+                <a:noFill/>
+                <a:tableStyleId>{8BBA306A-D0F0-4FDC-9730-2D7CA0645170}</a:tableStyleId>
+              </a:tblPr>
+              <a:tblGrid>
+                <a:gridCol w="4667450"/>
+                <a:gridCol w="4476550"/>
+              </a:tblGrid>
+              <a:tr h="351950">
+                <a:tc>
+                  <a:txBody>
+                    <a:bodyPr/>
+                    <a:lstStyle/>
+                    <a:p>
+                      <a:pPr indent="0" lvl="0" marL="0" rtl="0" algn="ctr">
+                        <a:spcBef>
+                          <a:spcPts val="0"/>
+                        </a:spcBef>
+                        <a:spcAft>
+                          <a:spcPts val="0"/>
+                        </a:spcAft>
+                        <a:buNone/>
+                      </a:pPr>
+                      <a:r>
+                        <a:rPr lang="it" sz="1200">
+                          <a:solidFill>
+                            <a:schemeClr val="lt2"/>
+                          </a:solidFill>
+                          <a:latin typeface="Roboto"/>
+                          <a:ea typeface="Roboto"/>
+                          <a:cs typeface="Roboto"/>
+                          <a:sym typeface="Roboto"/>
+                        </a:rPr>
+                        <a:t>Early instantiation</a:t>
+                      </a:r>
+                      <a:endParaRPr sz="1200">
+                        <a:latin typeface="Roboto"/>
+                        <a:ea typeface="Roboto"/>
+                        <a:cs typeface="Roboto"/>
+                        <a:sym typeface="Roboto"/>
+                      </a:endParaRPr>
+                    </a:p>
+                  </a:txBody>
+                  <a:tcPr marT="91425" marB="91425" marR="91425" marL="91425">
+                    <a:lnL cap="flat" cmpd="sng" w="9525">
+                      <a:solidFill>
+                        <a:schemeClr val="dk1"/>
+                      </a:solidFill>
+                      <a:prstDash val="solid"/>
+                      <a:round/>
+                      <a:headEnd len="sm" w="sm" type="none"/>
+                      <a:tailEnd len="sm" w="sm" type="none"/>
+                    </a:lnL>
+                    <a:lnR cap="flat" cmpd="sng" w="9525">
+                      <a:solidFill>
+                        <a:schemeClr val="dk1"/>
+                      </a:solidFill>
+                      <a:prstDash val="solid"/>
+                      <a:round/>
+                      <a:headEnd len="sm" w="sm" type="none"/>
+                      <a:tailEnd len="sm" w="sm" type="none"/>
+                    </a:lnR>
+                    <a:lnT cap="flat" cmpd="sng" w="9525">
+                      <a:solidFill>
+                        <a:schemeClr val="dk1"/>
+                      </a:solidFill>
+                      <a:prstDash val="solid"/>
+                      <a:round/>
+                      <a:headEnd len="sm" w="sm" type="none"/>
+                      <a:tailEnd len="sm" w="sm" type="none"/>
+                    </a:lnT>
+                    <a:lnB cap="flat" cmpd="sng" w="9525">
+                      <a:solidFill>
+                        <a:schemeClr val="dk1"/>
+                      </a:solidFill>
+                      <a:prstDash val="solid"/>
+                      <a:round/>
+                      <a:headEnd len="sm" w="sm" type="none"/>
+                      <a:tailEnd len="sm" w="sm" type="none"/>
+                    </a:lnB>
+                  </a:tcPr>
+                </a:tc>
+                <a:tc>
+                  <a:txBody>
+                    <a:bodyPr/>
+                    <a:lstStyle/>
+                    <a:p>
+                      <a:pPr indent="0" lvl="0" marL="0" rtl="0" algn="ctr">
+                        <a:spcBef>
+                          <a:spcPts val="0"/>
+                        </a:spcBef>
+                        <a:spcAft>
+                          <a:spcPts val="0"/>
+                        </a:spcAft>
+                        <a:buNone/>
+                      </a:pPr>
+                      <a:r>
+                        <a:rPr lang="it" sz="1200">
+                          <a:solidFill>
+                            <a:schemeClr val="lt2"/>
+                          </a:solidFill>
+                          <a:latin typeface="Roboto"/>
+                          <a:ea typeface="Roboto"/>
+                          <a:cs typeface="Roboto"/>
+                          <a:sym typeface="Roboto"/>
+                        </a:rPr>
+                        <a:t>Lazy instantiation</a:t>
+                      </a:r>
+                      <a:endParaRPr sz="1200">
+                        <a:latin typeface="Roboto"/>
+                        <a:ea typeface="Roboto"/>
+                        <a:cs typeface="Roboto"/>
+                        <a:sym typeface="Roboto"/>
+                      </a:endParaRPr>
+                    </a:p>
+                  </a:txBody>
+                  <a:tcPr marT="91425" marB="91425" marR="91425" marL="91425">
+                    <a:lnL cap="flat" cmpd="sng" w="9525">
+                      <a:solidFill>
+                        <a:schemeClr val="dk1"/>
+                      </a:solidFill>
+                      <a:prstDash val="solid"/>
+                      <a:round/>
+                      <a:headEnd len="sm" w="sm" type="none"/>
+                      <a:tailEnd len="sm" w="sm" type="none"/>
+                    </a:lnL>
+                    <a:lnR cap="flat" cmpd="sng" w="9525">
+                      <a:solidFill>
+                        <a:schemeClr val="dk1"/>
+                      </a:solidFill>
+                      <a:prstDash val="solid"/>
+                      <a:round/>
+                      <a:headEnd len="sm" w="sm" type="none"/>
+                      <a:tailEnd len="sm" w="sm" type="none"/>
+                    </a:lnR>
+                    <a:lnT cap="flat" cmpd="sng" w="9525">
+                      <a:solidFill>
+                        <a:schemeClr val="dk1"/>
+                      </a:solidFill>
+                      <a:prstDash val="solid"/>
+                      <a:round/>
+                      <a:headEnd len="sm" w="sm" type="none"/>
+                      <a:tailEnd len="sm" w="sm" type="none"/>
+                    </a:lnT>
+                    <a:lnB cap="flat" cmpd="sng" w="9525">
+                      <a:solidFill>
+                        <a:schemeClr val="dk1"/>
+                      </a:solidFill>
+                      <a:prstDash val="solid"/>
+                      <a:round/>
+                      <a:headEnd len="sm" w="sm" type="none"/>
+                      <a:tailEnd len="sm" w="sm" type="none"/>
+                    </a:lnB>
+                  </a:tcPr>
+                </a:tc>
+              </a:tr>
+              <a:tr h="1911350">
+                <a:tc>
+                  <a:txBody>
+                    <a:bodyPr/>
+                    <a:lstStyle/>
+                    <a:p>
+                      <a:pPr indent="0" lvl="0" marL="0" rtl="0" algn="l">
+                        <a:spcBef>
+                          <a:spcPts val="0"/>
+                        </a:spcBef>
+                        <a:spcAft>
+                          <a:spcPts val="0"/>
+                        </a:spcAft>
+                        <a:buNone/>
+                      </a:pPr>
+                      <a:r>
+                        <a:rPr lang="it" sz="1100">
+                          <a:solidFill>
+                            <a:srgbClr val="0000BF"/>
+                          </a:solidFill>
+                          <a:latin typeface="Courier New"/>
+                          <a:ea typeface="Courier New"/>
+                          <a:cs typeface="Courier New"/>
+                          <a:sym typeface="Courier New"/>
+                        </a:rPr>
+                        <a:t>public class</a:t>
+                      </a:r>
+                      <a:r>
+                        <a:rPr lang="it" sz="1100">
+                          <a:solidFill>
+                            <a:schemeClr val="lt2"/>
+                          </a:solidFill>
+                          <a:latin typeface="Courier New"/>
+                          <a:ea typeface="Courier New"/>
+                          <a:cs typeface="Courier New"/>
+                          <a:sym typeface="Courier New"/>
+                        </a:rPr>
+                        <a:t> </a:t>
+                      </a:r>
+                      <a:r>
+                        <a:rPr lang="it" sz="1100">
+                          <a:solidFill>
+                            <a:schemeClr val="lt2"/>
+                          </a:solidFill>
+                          <a:latin typeface="Courier New"/>
+                          <a:ea typeface="Courier New"/>
+                          <a:cs typeface="Courier New"/>
+                          <a:sym typeface="Courier New"/>
+                        </a:rPr>
+                        <a:t>MyEarly</a:t>
+                      </a:r>
+                      <a:r>
+                        <a:rPr lang="it" sz="1100">
+                          <a:solidFill>
+                            <a:schemeClr val="lt2"/>
+                          </a:solidFill>
+                          <a:latin typeface="Courier New"/>
+                          <a:ea typeface="Courier New"/>
+                          <a:cs typeface="Courier New"/>
+                          <a:sym typeface="Courier New"/>
+                        </a:rPr>
+                        <a:t> {</a:t>
+                      </a:r>
+                      <a:endParaRPr sz="1100">
+                        <a:solidFill>
+                          <a:schemeClr val="lt2"/>
+                        </a:solidFill>
+                        <a:latin typeface="Courier New"/>
+                        <a:ea typeface="Courier New"/>
+                        <a:cs typeface="Courier New"/>
+                        <a:sym typeface="Courier New"/>
+                      </a:endParaRPr>
+                    </a:p>
+                    <a:p>
+                      <a:pPr indent="0" lvl="0" marL="0" rtl="0" algn="l">
+                        <a:spcBef>
+                          <a:spcPts val="0"/>
+                        </a:spcBef>
+                        <a:spcAft>
+                          <a:spcPts val="0"/>
+                        </a:spcAft>
+                        <a:buNone/>
+                      </a:pPr>
+                      <a:r>
+                        <a:t/>
+                      </a:r>
+                      <a:endParaRPr sz="1100">
+                        <a:solidFill>
+                          <a:schemeClr val="lt2"/>
+                        </a:solidFill>
+                        <a:latin typeface="Courier New"/>
+                        <a:ea typeface="Courier New"/>
+                        <a:cs typeface="Courier New"/>
+                        <a:sym typeface="Courier New"/>
+                      </a:endParaRPr>
+                    </a:p>
+                    <a:p>
+                      <a:pPr indent="0" lvl="0" marL="0" rtl="0" algn="l">
+                        <a:spcBef>
+                          <a:spcPts val="0"/>
+                        </a:spcBef>
+                        <a:spcAft>
+                          <a:spcPts val="0"/>
+                        </a:spcAft>
+                        <a:buNone/>
+                      </a:pPr>
+                      <a:r>
+                        <a:rPr lang="it" sz="1100">
+                          <a:solidFill>
+                            <a:schemeClr val="lt2"/>
+                          </a:solidFill>
+                          <a:latin typeface="Courier New"/>
+                          <a:ea typeface="Courier New"/>
+                          <a:cs typeface="Courier New"/>
+                          <a:sym typeface="Courier New"/>
+                        </a:rPr>
+                        <a:t>  </a:t>
+                      </a:r>
+                      <a:r>
+                        <a:rPr lang="it" sz="1100">
+                          <a:solidFill>
+                            <a:srgbClr val="0000BF"/>
+                          </a:solidFill>
+                          <a:latin typeface="Courier New"/>
+                          <a:ea typeface="Courier New"/>
+                          <a:cs typeface="Courier New"/>
+                          <a:sym typeface="Courier New"/>
+                        </a:rPr>
+                        <a:t>private</a:t>
+                      </a:r>
+                      <a:r>
+                        <a:rPr lang="it" sz="1100">
+                          <a:solidFill>
+                            <a:schemeClr val="lt2"/>
+                          </a:solidFill>
+                          <a:latin typeface="Courier New"/>
+                          <a:ea typeface="Courier New"/>
+                          <a:cs typeface="Courier New"/>
+                          <a:sym typeface="Courier New"/>
+                        </a:rPr>
+                        <a:t> </a:t>
+                      </a:r>
+                      <a:r>
+                        <a:rPr lang="it" sz="1100">
+                          <a:solidFill>
+                            <a:srgbClr val="0000BF"/>
+                          </a:solidFill>
+                          <a:latin typeface="Courier New"/>
+                          <a:ea typeface="Courier New"/>
+                          <a:cs typeface="Courier New"/>
+                          <a:sym typeface="Courier New"/>
+                        </a:rPr>
+                        <a:t>static</a:t>
+                      </a:r>
+                      <a:r>
+                        <a:rPr lang="it" sz="1100">
+                          <a:solidFill>
+                            <a:schemeClr val="lt2"/>
+                          </a:solidFill>
+                          <a:latin typeface="Courier New"/>
+                          <a:ea typeface="Courier New"/>
+                          <a:cs typeface="Courier New"/>
+                          <a:sym typeface="Courier New"/>
+                        </a:rPr>
+                        <a:t> MyEarly </a:t>
+                      </a:r>
+                      <a:r>
+                        <a:rPr lang="it" sz="1100">
+                          <a:solidFill>
+                            <a:schemeClr val="lt2"/>
+                          </a:solidFill>
+                          <a:latin typeface="Courier New"/>
+                          <a:ea typeface="Courier New"/>
+                          <a:cs typeface="Courier New"/>
+                          <a:sym typeface="Courier New"/>
+                        </a:rPr>
+                        <a:t>instance = </a:t>
+                      </a:r>
+                      <a:r>
+                        <a:rPr lang="it" sz="1100">
+                          <a:solidFill>
+                            <a:srgbClr val="0000BF"/>
+                          </a:solidFill>
+                          <a:latin typeface="Courier New"/>
+                          <a:ea typeface="Courier New"/>
+                          <a:cs typeface="Courier New"/>
+                          <a:sym typeface="Courier New"/>
+                        </a:rPr>
+                        <a:t>new</a:t>
+                      </a:r>
+                      <a:r>
+                        <a:rPr lang="it" sz="1100">
+                          <a:solidFill>
+                            <a:schemeClr val="lt2"/>
+                          </a:solidFill>
+                          <a:latin typeface="Courier New"/>
+                          <a:ea typeface="Courier New"/>
+                          <a:cs typeface="Courier New"/>
+                          <a:sym typeface="Courier New"/>
+                        </a:rPr>
+                        <a:t> MyEarly();</a:t>
+                      </a:r>
+                      <a:endParaRPr sz="1100">
+                        <a:solidFill>
+                          <a:schemeClr val="lt2"/>
+                        </a:solidFill>
+                        <a:latin typeface="Courier New"/>
+                        <a:ea typeface="Courier New"/>
+                        <a:cs typeface="Courier New"/>
+                        <a:sym typeface="Courier New"/>
+                      </a:endParaRPr>
+                    </a:p>
+                    <a:p>
+                      <a:pPr indent="0" lvl="0" marL="0" rtl="0" algn="l">
+                        <a:spcBef>
+                          <a:spcPts val="0"/>
+                        </a:spcBef>
+                        <a:spcAft>
+                          <a:spcPts val="0"/>
+                        </a:spcAft>
+                        <a:buNone/>
+                      </a:pPr>
+                      <a:r>
+                        <a:t/>
+                      </a:r>
+                      <a:endParaRPr sz="1100">
+                        <a:solidFill>
+                          <a:schemeClr val="lt2"/>
+                        </a:solidFill>
+                        <a:latin typeface="Courier New"/>
+                        <a:ea typeface="Courier New"/>
+                        <a:cs typeface="Courier New"/>
+                        <a:sym typeface="Courier New"/>
+                      </a:endParaRPr>
+                    </a:p>
+                    <a:p>
+                      <a:pPr indent="0" lvl="0" marL="0" rtl="0" algn="l">
+                        <a:spcBef>
+                          <a:spcPts val="0"/>
+                        </a:spcBef>
+                        <a:spcAft>
+                          <a:spcPts val="0"/>
+                        </a:spcAft>
+                        <a:buNone/>
+                      </a:pPr>
+                      <a:r>
+                        <a:rPr lang="it" sz="1100">
+                          <a:solidFill>
+                            <a:schemeClr val="lt2"/>
+                          </a:solidFill>
+                          <a:latin typeface="Courier New"/>
+                          <a:ea typeface="Courier New"/>
+                          <a:cs typeface="Courier New"/>
+                          <a:sym typeface="Courier New"/>
+                        </a:rPr>
+                        <a:t>  </a:t>
+                      </a:r>
+                      <a:r>
+                        <a:rPr lang="it" sz="1100">
+                          <a:solidFill>
+                            <a:srgbClr val="0000BF"/>
+                          </a:solidFill>
+                          <a:latin typeface="Courier New"/>
+                          <a:ea typeface="Courier New"/>
+                          <a:cs typeface="Courier New"/>
+                          <a:sym typeface="Courier New"/>
+                        </a:rPr>
+                        <a:t>private</a:t>
+                      </a:r>
+                      <a:r>
+                        <a:rPr lang="it" sz="1100">
+                          <a:solidFill>
+                            <a:srgbClr val="0000BF"/>
+                          </a:solidFill>
+                          <a:latin typeface="Courier New"/>
+                          <a:ea typeface="Courier New"/>
+                          <a:cs typeface="Courier New"/>
+                          <a:sym typeface="Courier New"/>
+                        </a:rPr>
+                        <a:t> </a:t>
+                      </a:r>
+                      <a:r>
+                        <a:rPr lang="it" sz="1100">
+                          <a:solidFill>
+                            <a:schemeClr val="lt2"/>
+                          </a:solidFill>
+                          <a:latin typeface="Courier New"/>
+                          <a:ea typeface="Courier New"/>
+                          <a:cs typeface="Courier New"/>
+                          <a:sym typeface="Courier New"/>
+                        </a:rPr>
+                        <a:t>MyEarly</a:t>
+                      </a:r>
+                      <a:r>
+                        <a:rPr lang="it" sz="1100">
+                          <a:solidFill>
+                            <a:schemeClr val="lt2"/>
+                          </a:solidFill>
+                          <a:latin typeface="Courier New"/>
+                          <a:ea typeface="Courier New"/>
+                          <a:cs typeface="Courier New"/>
+                          <a:sym typeface="Courier New"/>
+                        </a:rPr>
+                        <a:t>() {</a:t>
+                      </a:r>
+                      <a:endParaRPr sz="1100">
+                        <a:solidFill>
+                          <a:schemeClr val="lt2"/>
+                        </a:solidFill>
+                        <a:latin typeface="Courier New"/>
+                        <a:ea typeface="Courier New"/>
+                        <a:cs typeface="Courier New"/>
+                        <a:sym typeface="Courier New"/>
+                      </a:endParaRPr>
+                    </a:p>
+                    <a:p>
+                      <a:pPr indent="0" lvl="0" marL="0" rtl="0" algn="l">
+                        <a:spcBef>
+                          <a:spcPts val="0"/>
+                        </a:spcBef>
+                        <a:spcAft>
+                          <a:spcPts val="0"/>
+                        </a:spcAft>
+                        <a:buNone/>
+                      </a:pPr>
+                      <a:r>
+                        <a:rPr lang="it" sz="1100">
+                          <a:solidFill>
+                            <a:schemeClr val="lt2"/>
+                          </a:solidFill>
+                          <a:latin typeface="Courier New"/>
+                          <a:ea typeface="Courier New"/>
+                          <a:cs typeface="Courier New"/>
+                          <a:sym typeface="Courier New"/>
+                        </a:rPr>
+                        <a:t>  </a:t>
+                      </a:r>
+                      <a:r>
+                        <a:rPr lang="it" sz="1100">
+                          <a:solidFill>
+                            <a:schemeClr val="lt2"/>
+                          </a:solidFill>
+                          <a:latin typeface="Courier New"/>
+                          <a:ea typeface="Courier New"/>
+                          <a:cs typeface="Courier New"/>
+                          <a:sym typeface="Courier New"/>
+                        </a:rPr>
+                        <a:t>  </a:t>
+                      </a:r>
+                      <a:r>
+                        <a:rPr lang="it" sz="1100">
+                          <a:solidFill>
+                            <a:srgbClr val="1EB540"/>
+                          </a:solidFill>
+                          <a:latin typeface="Courier New"/>
+                          <a:ea typeface="Courier New"/>
+                          <a:cs typeface="Courier New"/>
+                          <a:sym typeface="Courier New"/>
+                        </a:rPr>
+                        <a:t>//Qui si può scrivere il proprio codice</a:t>
+                      </a:r>
+                      <a:endParaRPr sz="1100">
+                        <a:solidFill>
+                          <a:schemeClr val="lt2"/>
+                        </a:solidFill>
+                        <a:latin typeface="Courier New"/>
+                        <a:ea typeface="Courier New"/>
+                        <a:cs typeface="Courier New"/>
+                        <a:sym typeface="Courier New"/>
+                      </a:endParaRPr>
+                    </a:p>
+                    <a:p>
+                      <a:pPr indent="0" lvl="0" marL="0" rtl="0" algn="l">
+                        <a:spcBef>
+                          <a:spcPts val="0"/>
+                        </a:spcBef>
+                        <a:spcAft>
+                          <a:spcPts val="0"/>
+                        </a:spcAft>
+                        <a:buNone/>
+                      </a:pPr>
+                      <a:r>
+                        <a:rPr lang="it" sz="1100">
+                          <a:solidFill>
+                            <a:schemeClr val="lt2"/>
+                          </a:solidFill>
+                          <a:latin typeface="Courier New"/>
+                          <a:ea typeface="Courier New"/>
+                          <a:cs typeface="Courier New"/>
+                          <a:sym typeface="Courier New"/>
+                        </a:rPr>
+                        <a:t>  }</a:t>
+                      </a:r>
+                      <a:endParaRPr sz="1100">
+                        <a:solidFill>
+                          <a:schemeClr val="lt2"/>
+                        </a:solidFill>
+                        <a:latin typeface="Courier New"/>
+                        <a:ea typeface="Courier New"/>
+                        <a:cs typeface="Courier New"/>
+                        <a:sym typeface="Courier New"/>
+                      </a:endParaRPr>
+                    </a:p>
+                    <a:p>
+                      <a:pPr indent="0" lvl="0" marL="0" rtl="0" algn="l">
+                        <a:spcBef>
+                          <a:spcPts val="0"/>
+                        </a:spcBef>
+                        <a:spcAft>
+                          <a:spcPts val="0"/>
+                        </a:spcAft>
+                        <a:buNone/>
+                      </a:pPr>
+                      <a:r>
+                        <a:rPr lang="it" sz="1100">
+                          <a:solidFill>
+                            <a:schemeClr val="lt2"/>
+                          </a:solidFill>
+                          <a:latin typeface="Courier New"/>
+                          <a:ea typeface="Courier New"/>
+                          <a:cs typeface="Courier New"/>
+                          <a:sym typeface="Courier New"/>
+                        </a:rPr>
+                        <a:t>  </a:t>
+                      </a:r>
+                      <a:r>
+                        <a:rPr lang="it" sz="1100">
+                          <a:solidFill>
+                            <a:srgbClr val="0000BF"/>
+                          </a:solidFill>
+                          <a:latin typeface="Courier New"/>
+                          <a:ea typeface="Courier New"/>
+                          <a:cs typeface="Courier New"/>
+                          <a:sym typeface="Courier New"/>
+                        </a:rPr>
+                        <a:t>public static</a:t>
+                      </a:r>
+                      <a:r>
+                        <a:rPr lang="it" sz="1100">
+                          <a:solidFill>
+                            <a:schemeClr val="lt2"/>
+                          </a:solidFill>
+                          <a:latin typeface="Courier New"/>
+                          <a:ea typeface="Courier New"/>
+                          <a:cs typeface="Courier New"/>
+                          <a:sym typeface="Courier New"/>
+                        </a:rPr>
+                        <a:t> MyEarly getInstance</a:t>
+                      </a:r>
+                      <a:r>
+                        <a:rPr lang="it" sz="1100">
+                          <a:solidFill>
+                            <a:schemeClr val="lt2"/>
+                          </a:solidFill>
+                          <a:latin typeface="Courier New"/>
+                          <a:ea typeface="Courier New"/>
+                          <a:cs typeface="Courier New"/>
+                          <a:sym typeface="Courier New"/>
+                        </a:rPr>
+                        <a:t>() {</a:t>
+                      </a:r>
+                      <a:endParaRPr sz="1100">
+                        <a:solidFill>
+                          <a:schemeClr val="lt2"/>
+                        </a:solidFill>
+                        <a:latin typeface="Courier New"/>
+                        <a:ea typeface="Courier New"/>
+                        <a:cs typeface="Courier New"/>
+                        <a:sym typeface="Courier New"/>
+                      </a:endParaRPr>
+                    </a:p>
+                    <a:p>
+                      <a:pPr indent="0" lvl="0" marL="0" rtl="0" algn="l">
+                        <a:spcBef>
+                          <a:spcPts val="0"/>
+                        </a:spcBef>
+                        <a:spcAft>
+                          <a:spcPts val="0"/>
+                        </a:spcAft>
+                        <a:buNone/>
+                      </a:pPr>
+                      <a:r>
+                        <a:rPr lang="it" sz="1100">
+                          <a:solidFill>
+                            <a:schemeClr val="lt2"/>
+                          </a:solidFill>
+                          <a:latin typeface="Courier New"/>
+                          <a:ea typeface="Courier New"/>
+                          <a:cs typeface="Courier New"/>
+                          <a:sym typeface="Courier New"/>
+                        </a:rPr>
+                        <a:t>    </a:t>
+                      </a:r>
+                      <a:r>
+                        <a:rPr lang="it" sz="1100">
+                          <a:solidFill>
+                            <a:srgbClr val="0000BF"/>
+                          </a:solidFill>
+                          <a:latin typeface="Courier New"/>
+                          <a:ea typeface="Courier New"/>
+                          <a:cs typeface="Courier New"/>
+                          <a:sym typeface="Courier New"/>
+                        </a:rPr>
+                        <a:t>return</a:t>
+                      </a:r>
+                      <a:r>
+                        <a:rPr lang="it" sz="1100">
+                          <a:solidFill>
+                            <a:schemeClr val="lt2"/>
+                          </a:solidFill>
+                          <a:latin typeface="Courier New"/>
+                          <a:ea typeface="Courier New"/>
+                          <a:cs typeface="Courier New"/>
+                          <a:sym typeface="Courier New"/>
+                        </a:rPr>
+                        <a:t> instance;</a:t>
+                      </a:r>
+                      <a:endParaRPr sz="1100">
+                        <a:solidFill>
+                          <a:schemeClr val="lt2"/>
+                        </a:solidFill>
+                        <a:latin typeface="Courier New"/>
+                        <a:ea typeface="Courier New"/>
+                        <a:cs typeface="Courier New"/>
+                        <a:sym typeface="Courier New"/>
+                      </a:endParaRPr>
+                    </a:p>
+                    <a:p>
+                      <a:pPr indent="0" lvl="0" marL="0" rtl="0" algn="l">
+                        <a:spcBef>
+                          <a:spcPts val="0"/>
+                        </a:spcBef>
+                        <a:spcAft>
+                          <a:spcPts val="0"/>
+                        </a:spcAft>
+                        <a:buNone/>
+                      </a:pPr>
+                      <a:r>
+                        <a:rPr lang="it" sz="1100">
+                          <a:solidFill>
+                            <a:schemeClr val="lt2"/>
+                          </a:solidFill>
+                          <a:latin typeface="Courier New"/>
+                          <a:ea typeface="Courier New"/>
+                          <a:cs typeface="Courier New"/>
+                          <a:sym typeface="Courier New"/>
+                        </a:rPr>
+                        <a:t>  }</a:t>
+                      </a:r>
+                      <a:endParaRPr sz="1100">
+                        <a:solidFill>
+                          <a:schemeClr val="lt2"/>
+                        </a:solidFill>
+                        <a:latin typeface="Courier New"/>
+                        <a:ea typeface="Courier New"/>
+                        <a:cs typeface="Courier New"/>
+                        <a:sym typeface="Courier New"/>
+                      </a:endParaRPr>
+                    </a:p>
+                    <a:p>
+                      <a:pPr indent="0" lvl="0" marL="0" rtl="0" algn="l">
+                        <a:spcBef>
+                          <a:spcPts val="0"/>
+                        </a:spcBef>
+                        <a:spcAft>
+                          <a:spcPts val="0"/>
+                        </a:spcAft>
+                        <a:buNone/>
+                      </a:pPr>
+                      <a:r>
+                        <a:rPr lang="it" sz="1100">
+                          <a:solidFill>
+                            <a:schemeClr val="lt2"/>
+                          </a:solidFill>
+                          <a:latin typeface="Courier New"/>
+                          <a:ea typeface="Courier New"/>
+                          <a:cs typeface="Courier New"/>
+                          <a:sym typeface="Courier New"/>
+                        </a:rPr>
+                        <a:t>  </a:t>
+                      </a:r>
+                      <a:r>
+                        <a:rPr lang="it" sz="1100">
+                          <a:solidFill>
+                            <a:srgbClr val="0000BF"/>
+                          </a:solidFill>
+                          <a:latin typeface="Courier New"/>
+                          <a:ea typeface="Courier New"/>
+                          <a:cs typeface="Courier New"/>
+                          <a:sym typeface="Courier New"/>
+                        </a:rPr>
+                        <a:t>public void </a:t>
+                      </a:r>
+                      <a:r>
+                        <a:rPr lang="it" sz="1100">
+                          <a:solidFill>
+                            <a:schemeClr val="lt2"/>
+                          </a:solidFill>
+                          <a:latin typeface="Courier New"/>
+                          <a:ea typeface="Courier New"/>
+                          <a:cs typeface="Courier New"/>
+                          <a:sym typeface="Courier New"/>
+                        </a:rPr>
+                        <a:t>hi() { System.out.println(</a:t>
+                      </a:r>
+                      <a:r>
+                        <a:rPr lang="it" sz="1100">
+                          <a:solidFill>
+                            <a:srgbClr val="9400D1"/>
+                          </a:solidFill>
+                          <a:latin typeface="Courier New"/>
+                          <a:ea typeface="Courier New"/>
+                          <a:cs typeface="Courier New"/>
+                          <a:sym typeface="Courier New"/>
+                        </a:rPr>
+                        <a:t>"hi!"</a:t>
+                      </a:r>
+                      <a:r>
+                        <a:rPr lang="it" sz="1100">
+                          <a:solidFill>
+                            <a:schemeClr val="lt2"/>
+                          </a:solidFill>
+                          <a:latin typeface="Courier New"/>
+                          <a:ea typeface="Courier New"/>
+                          <a:cs typeface="Courier New"/>
+                          <a:sym typeface="Courier New"/>
+                        </a:rPr>
+                        <a:t>); }</a:t>
+                      </a:r>
+                      <a:endParaRPr sz="1100">
+                        <a:solidFill>
+                          <a:schemeClr val="lt2"/>
+                        </a:solidFill>
+                        <a:latin typeface="Courier New"/>
+                        <a:ea typeface="Courier New"/>
+                        <a:cs typeface="Courier New"/>
+                        <a:sym typeface="Courier New"/>
+                      </a:endParaRPr>
+                    </a:p>
+                    <a:p>
+                      <a:pPr indent="0" lvl="0" marL="0" rtl="0" algn="l">
+                        <a:spcBef>
+                          <a:spcPts val="0"/>
+                        </a:spcBef>
+                        <a:spcAft>
+                          <a:spcPts val="0"/>
+                        </a:spcAft>
+                        <a:buNone/>
+                      </a:pPr>
+                      <a:r>
+                        <a:rPr lang="it" sz="1100">
+                          <a:solidFill>
+                            <a:schemeClr val="lt2"/>
+                          </a:solidFill>
+                          <a:latin typeface="Courier New"/>
+                          <a:ea typeface="Courier New"/>
+                          <a:cs typeface="Courier New"/>
+                          <a:sym typeface="Courier New"/>
+                        </a:rPr>
+                        <a:t>}</a:t>
+                      </a:r>
+                      <a:endParaRPr sz="1100"/>
+                    </a:p>
+                  </a:txBody>
+                  <a:tcPr marT="91425" marB="91425" marR="91425" marL="91425">
+                    <a:lnL cap="flat" cmpd="sng" w="9525">
+                      <a:solidFill>
+                        <a:schemeClr val="dk1"/>
+                      </a:solidFill>
+                      <a:prstDash val="solid"/>
+                      <a:round/>
+                      <a:headEnd len="sm" w="sm" type="none"/>
+                      <a:tailEnd len="sm" w="sm" type="none"/>
+                    </a:lnL>
+                    <a:lnR cap="flat" cmpd="sng" w="9525">
+                      <a:solidFill>
+                        <a:schemeClr val="dk1"/>
+                      </a:solidFill>
+                      <a:prstDash val="solid"/>
+                      <a:round/>
+                      <a:headEnd len="sm" w="sm" type="none"/>
+                      <a:tailEnd len="sm" w="sm" type="none"/>
+                    </a:lnR>
+                    <a:lnT cap="flat" cmpd="sng" w="9525">
+                      <a:solidFill>
+                        <a:schemeClr val="dk1"/>
+                      </a:solidFill>
+                      <a:prstDash val="solid"/>
+                      <a:round/>
+                      <a:headEnd len="sm" w="sm" type="none"/>
+                      <a:tailEnd len="sm" w="sm" type="none"/>
+                    </a:lnT>
+                    <a:lnB cap="flat" cmpd="sng" w="9525">
+                      <a:solidFill>
+                        <a:schemeClr val="dk1"/>
+                      </a:solidFill>
+                      <a:prstDash val="solid"/>
+                      <a:round/>
+                      <a:headEnd len="sm" w="sm" type="none"/>
+                      <a:tailEnd len="sm" w="sm" type="none"/>
+                    </a:lnB>
+                  </a:tcPr>
+                </a:tc>
+                <a:tc>
+                  <a:txBody>
+                    <a:bodyPr/>
+                    <a:lstStyle/>
+                    <a:p>
+                      <a:pPr indent="0" lvl="0" marL="0" rtl="0" algn="l">
+                        <a:spcBef>
+                          <a:spcPts val="0"/>
+                        </a:spcBef>
+                        <a:spcAft>
+                          <a:spcPts val="0"/>
+                        </a:spcAft>
+                        <a:buNone/>
+                      </a:pPr>
+                      <a:r>
+                        <a:rPr lang="it" sz="1100">
+                          <a:solidFill>
+                            <a:srgbClr val="0000BF"/>
+                          </a:solidFill>
+                          <a:latin typeface="Courier New"/>
+                          <a:ea typeface="Courier New"/>
+                          <a:cs typeface="Courier New"/>
+                          <a:sym typeface="Courier New"/>
+                        </a:rPr>
+                        <a:t>public class</a:t>
+                      </a:r>
+                      <a:r>
+                        <a:rPr lang="it" sz="1100">
+                          <a:solidFill>
+                            <a:schemeClr val="lt2"/>
+                          </a:solidFill>
+                          <a:latin typeface="Courier New"/>
+                          <a:ea typeface="Courier New"/>
+                          <a:cs typeface="Courier New"/>
+                          <a:sym typeface="Courier New"/>
+                        </a:rPr>
+                        <a:t> MyLazy {</a:t>
+                      </a:r>
+                      <a:endParaRPr sz="1100">
+                        <a:solidFill>
+                          <a:schemeClr val="lt2"/>
+                        </a:solidFill>
+                        <a:latin typeface="Courier New"/>
+                        <a:ea typeface="Courier New"/>
+                        <a:cs typeface="Courier New"/>
+                        <a:sym typeface="Courier New"/>
+                      </a:endParaRPr>
+                    </a:p>
+                    <a:p>
+                      <a:pPr indent="0" lvl="0" marL="0" rtl="0" algn="l">
+                        <a:spcBef>
+                          <a:spcPts val="0"/>
+                        </a:spcBef>
+                        <a:spcAft>
+                          <a:spcPts val="0"/>
+                        </a:spcAft>
+                        <a:buNone/>
+                      </a:pPr>
+                      <a:r>
+                        <a:rPr lang="it" sz="1100">
+                          <a:solidFill>
+                            <a:schemeClr val="lt2"/>
+                          </a:solidFill>
+                          <a:latin typeface="Courier New"/>
+                          <a:ea typeface="Courier New"/>
+                          <a:cs typeface="Courier New"/>
+                          <a:sym typeface="Courier New"/>
+                        </a:rPr>
+                        <a:t>  </a:t>
+                      </a:r>
+                      <a:endParaRPr sz="1100">
+                        <a:solidFill>
+                          <a:schemeClr val="lt2"/>
+                        </a:solidFill>
+                        <a:latin typeface="Courier New"/>
+                        <a:ea typeface="Courier New"/>
+                        <a:cs typeface="Courier New"/>
+                        <a:sym typeface="Courier New"/>
+                      </a:endParaRPr>
+                    </a:p>
+                    <a:p>
+                      <a:pPr indent="0" lvl="0" marL="0" rtl="0" algn="l">
+                        <a:spcBef>
+                          <a:spcPts val="0"/>
+                        </a:spcBef>
+                        <a:spcAft>
+                          <a:spcPts val="0"/>
+                        </a:spcAft>
+                        <a:buNone/>
+                      </a:pPr>
+                      <a:r>
+                        <a:rPr lang="it" sz="1100">
+                          <a:solidFill>
+                            <a:srgbClr val="0000BF"/>
+                          </a:solidFill>
+                          <a:latin typeface="Courier New"/>
+                          <a:ea typeface="Courier New"/>
+                          <a:cs typeface="Courier New"/>
+                          <a:sym typeface="Courier New"/>
+                        </a:rPr>
+                        <a:t>  private</a:t>
+                      </a:r>
+                      <a:r>
+                        <a:rPr lang="it" sz="1100">
+                          <a:solidFill>
+                            <a:schemeClr val="lt2"/>
+                          </a:solidFill>
+                          <a:latin typeface="Courier New"/>
+                          <a:ea typeface="Courier New"/>
+                          <a:cs typeface="Courier New"/>
+                          <a:sym typeface="Courier New"/>
+                        </a:rPr>
+                        <a:t> </a:t>
+                      </a:r>
+                      <a:r>
+                        <a:rPr lang="it" sz="1100">
+                          <a:solidFill>
+                            <a:srgbClr val="0000BF"/>
+                          </a:solidFill>
+                          <a:latin typeface="Courier New"/>
+                          <a:ea typeface="Courier New"/>
+                          <a:cs typeface="Courier New"/>
+                          <a:sym typeface="Courier New"/>
+                        </a:rPr>
+                        <a:t>static</a:t>
+                      </a:r>
+                      <a:r>
+                        <a:rPr lang="it" sz="1100">
+                          <a:solidFill>
+                            <a:schemeClr val="lt2"/>
+                          </a:solidFill>
+                          <a:latin typeface="Courier New"/>
+                          <a:ea typeface="Courier New"/>
+                          <a:cs typeface="Courier New"/>
+                          <a:sym typeface="Courier New"/>
+                        </a:rPr>
+                        <a:t> MyLazy instance = </a:t>
+                      </a:r>
+                      <a:r>
+                        <a:rPr lang="it" sz="1100">
+                          <a:solidFill>
+                            <a:srgbClr val="0000BF"/>
+                          </a:solidFill>
+                          <a:latin typeface="Courier New"/>
+                          <a:ea typeface="Courier New"/>
+                          <a:cs typeface="Courier New"/>
+                          <a:sym typeface="Courier New"/>
+                        </a:rPr>
+                        <a:t>null</a:t>
+                      </a:r>
+                      <a:r>
+                        <a:rPr lang="it" sz="1100">
+                          <a:solidFill>
+                            <a:schemeClr val="lt2"/>
+                          </a:solidFill>
+                          <a:latin typeface="Courier New"/>
+                          <a:ea typeface="Courier New"/>
+                          <a:cs typeface="Courier New"/>
+                          <a:sym typeface="Courier New"/>
+                        </a:rPr>
+                        <a:t>;</a:t>
+                      </a:r>
+                      <a:endParaRPr sz="1100">
+                        <a:solidFill>
+                          <a:schemeClr val="lt2"/>
+                        </a:solidFill>
+                        <a:latin typeface="Courier New"/>
+                        <a:ea typeface="Courier New"/>
+                        <a:cs typeface="Courier New"/>
+                        <a:sym typeface="Courier New"/>
+                      </a:endParaRPr>
+                    </a:p>
+                    <a:p>
+                      <a:pPr indent="0" lvl="0" marL="0" rtl="0" algn="l">
+                        <a:spcBef>
+                          <a:spcPts val="0"/>
+                        </a:spcBef>
+                        <a:spcAft>
+                          <a:spcPts val="0"/>
+                        </a:spcAft>
+                        <a:buNone/>
+                      </a:pPr>
+                      <a:r>
+                        <a:rPr lang="it" sz="1100">
+                          <a:solidFill>
+                            <a:schemeClr val="lt2"/>
+                          </a:solidFill>
+                          <a:latin typeface="Courier New"/>
+                          <a:ea typeface="Courier New"/>
+                          <a:cs typeface="Courier New"/>
+                          <a:sym typeface="Courier New"/>
+                        </a:rPr>
+                        <a:t>  </a:t>
+                      </a:r>
+                      <a:endParaRPr sz="1100">
+                        <a:solidFill>
+                          <a:schemeClr val="lt2"/>
+                        </a:solidFill>
+                        <a:latin typeface="Courier New"/>
+                        <a:ea typeface="Courier New"/>
+                        <a:cs typeface="Courier New"/>
+                        <a:sym typeface="Courier New"/>
+                      </a:endParaRPr>
+                    </a:p>
+                    <a:p>
+                      <a:pPr indent="0" lvl="0" marL="0" rtl="0" algn="l">
+                        <a:spcBef>
+                          <a:spcPts val="0"/>
+                        </a:spcBef>
+                        <a:spcAft>
+                          <a:spcPts val="0"/>
+                        </a:spcAft>
+                        <a:buNone/>
+                      </a:pPr>
+                      <a:r>
+                        <a:rPr lang="it" sz="1100">
+                          <a:solidFill>
+                            <a:srgbClr val="0000BF"/>
+                          </a:solidFill>
+                          <a:latin typeface="Courier New"/>
+                          <a:ea typeface="Courier New"/>
+                          <a:cs typeface="Courier New"/>
+                          <a:sym typeface="Courier New"/>
+                        </a:rPr>
+                        <a:t>  private </a:t>
+                      </a:r>
+                      <a:r>
+                        <a:rPr lang="it" sz="1100">
+                          <a:solidFill>
+                            <a:schemeClr val="lt2"/>
+                          </a:solidFill>
+                          <a:latin typeface="Courier New"/>
+                          <a:ea typeface="Courier New"/>
+                          <a:cs typeface="Courier New"/>
+                          <a:sym typeface="Courier New"/>
+                        </a:rPr>
+                        <a:t>MyLazy() {</a:t>
+                      </a:r>
+                      <a:endParaRPr sz="1100">
+                        <a:solidFill>
+                          <a:schemeClr val="lt2"/>
+                        </a:solidFill>
+                        <a:latin typeface="Courier New"/>
+                        <a:ea typeface="Courier New"/>
+                        <a:cs typeface="Courier New"/>
+                        <a:sym typeface="Courier New"/>
+                      </a:endParaRPr>
+                    </a:p>
+                    <a:p>
+                      <a:pPr indent="0" lvl="0" marL="0" rtl="0" algn="l">
+                        <a:spcBef>
+                          <a:spcPts val="0"/>
+                        </a:spcBef>
+                        <a:spcAft>
+                          <a:spcPts val="0"/>
+                        </a:spcAft>
+                        <a:buNone/>
+                      </a:pPr>
+                      <a:r>
+                        <a:rPr lang="it" sz="1100">
+                          <a:solidFill>
+                            <a:schemeClr val="lt2"/>
+                          </a:solidFill>
+                          <a:latin typeface="Courier New"/>
+                          <a:ea typeface="Courier New"/>
+                          <a:cs typeface="Courier New"/>
+                          <a:sym typeface="Courier New"/>
+                        </a:rPr>
+                        <a:t>    </a:t>
+                      </a:r>
+                      <a:r>
+                        <a:rPr lang="it" sz="1100">
+                          <a:solidFill>
+                            <a:srgbClr val="1EB540"/>
+                          </a:solidFill>
+                          <a:latin typeface="Courier New"/>
+                          <a:ea typeface="Courier New"/>
+                          <a:cs typeface="Courier New"/>
+                          <a:sym typeface="Courier New"/>
+                        </a:rPr>
+                        <a:t>//Qui si può scrivere il proprio codice</a:t>
+                      </a:r>
+                      <a:r>
+                        <a:rPr lang="it" sz="1100">
+                          <a:solidFill>
+                            <a:schemeClr val="lt2"/>
+                          </a:solidFill>
+                          <a:latin typeface="Courier New"/>
+                          <a:ea typeface="Courier New"/>
+                          <a:cs typeface="Courier New"/>
+                          <a:sym typeface="Courier New"/>
+                        </a:rPr>
+                        <a:t> </a:t>
+                      </a:r>
+                      <a:endParaRPr sz="1100">
+                        <a:solidFill>
+                          <a:schemeClr val="lt2"/>
+                        </a:solidFill>
+                        <a:latin typeface="Courier New"/>
+                        <a:ea typeface="Courier New"/>
+                        <a:cs typeface="Courier New"/>
+                        <a:sym typeface="Courier New"/>
+                      </a:endParaRPr>
+                    </a:p>
+                    <a:p>
+                      <a:pPr indent="0" lvl="0" marL="0" rtl="0" algn="l">
+                        <a:spcBef>
+                          <a:spcPts val="0"/>
+                        </a:spcBef>
+                        <a:spcAft>
+                          <a:spcPts val="0"/>
+                        </a:spcAft>
+                        <a:buNone/>
+                      </a:pPr>
+                      <a:r>
+                        <a:rPr lang="it" sz="1100">
+                          <a:solidFill>
+                            <a:schemeClr val="lt2"/>
+                          </a:solidFill>
+                          <a:latin typeface="Courier New"/>
+                          <a:ea typeface="Courier New"/>
+                          <a:cs typeface="Courier New"/>
+                          <a:sym typeface="Courier New"/>
+                        </a:rPr>
+                        <a:t>  }</a:t>
+                      </a:r>
+                      <a:endParaRPr sz="1100">
+                        <a:solidFill>
+                          <a:schemeClr val="lt2"/>
+                        </a:solidFill>
+                        <a:latin typeface="Courier New"/>
+                        <a:ea typeface="Courier New"/>
+                        <a:cs typeface="Courier New"/>
+                        <a:sym typeface="Courier New"/>
+                      </a:endParaRPr>
+                    </a:p>
+                    <a:p>
+                      <a:pPr indent="0" lvl="0" marL="0" rtl="0" algn="l">
+                        <a:spcBef>
+                          <a:spcPts val="0"/>
+                        </a:spcBef>
+                        <a:spcAft>
+                          <a:spcPts val="0"/>
+                        </a:spcAft>
+                        <a:buNone/>
+                      </a:pPr>
+                      <a:r>
+                        <a:rPr lang="it" sz="1100">
+                          <a:solidFill>
+                            <a:schemeClr val="lt2"/>
+                          </a:solidFill>
+                          <a:latin typeface="Courier New"/>
+                          <a:ea typeface="Courier New"/>
+                          <a:cs typeface="Courier New"/>
+                          <a:sym typeface="Courier New"/>
+                        </a:rPr>
+                        <a:t>  </a:t>
+                      </a:r>
+                      <a:r>
+                        <a:rPr lang="it" sz="1100">
+                          <a:solidFill>
+                            <a:srgbClr val="0000BF"/>
+                          </a:solidFill>
+                          <a:latin typeface="Courier New"/>
+                          <a:ea typeface="Courier New"/>
+                          <a:cs typeface="Courier New"/>
+                          <a:sym typeface="Courier New"/>
+                        </a:rPr>
+                        <a:t>public static</a:t>
+                      </a:r>
+                      <a:r>
+                        <a:rPr lang="it" sz="1100">
+                          <a:solidFill>
+                            <a:schemeClr val="lt2"/>
+                          </a:solidFill>
+                          <a:latin typeface="Courier New"/>
+                          <a:ea typeface="Courier New"/>
+                          <a:cs typeface="Courier New"/>
+                          <a:sym typeface="Courier New"/>
+                        </a:rPr>
+                        <a:t> MyLazy getInstance() {</a:t>
+                      </a:r>
+                      <a:endParaRPr sz="1100">
+                        <a:solidFill>
+                          <a:schemeClr val="lt2"/>
+                        </a:solidFill>
+                        <a:latin typeface="Courier New"/>
+                        <a:ea typeface="Courier New"/>
+                        <a:cs typeface="Courier New"/>
+                        <a:sym typeface="Courier New"/>
+                      </a:endParaRPr>
+                    </a:p>
+                    <a:p>
+                      <a:pPr indent="0" lvl="0" marL="0" rtl="0" algn="l">
+                        <a:spcBef>
+                          <a:spcPts val="0"/>
+                        </a:spcBef>
+                        <a:spcAft>
+                          <a:spcPts val="0"/>
+                        </a:spcAft>
+                        <a:buNone/>
+                      </a:pPr>
+                      <a:r>
+                        <a:rPr lang="it" sz="1100">
+                          <a:solidFill>
+                            <a:schemeClr val="lt2"/>
+                          </a:solidFill>
+                          <a:latin typeface="Courier New"/>
+                          <a:ea typeface="Courier New"/>
+                          <a:cs typeface="Courier New"/>
+                          <a:sym typeface="Courier New"/>
+                        </a:rPr>
+                        <a:t>    </a:t>
+                      </a:r>
+                      <a:r>
+                        <a:rPr lang="it" sz="1100">
+                          <a:solidFill>
+                            <a:srgbClr val="0000BF"/>
+                          </a:solidFill>
+                          <a:latin typeface="Courier New"/>
+                          <a:ea typeface="Courier New"/>
+                          <a:cs typeface="Courier New"/>
+                          <a:sym typeface="Courier New"/>
+                        </a:rPr>
+                        <a:t>if</a:t>
+                      </a:r>
+                      <a:r>
+                        <a:rPr lang="it" sz="1100">
+                          <a:solidFill>
+                            <a:schemeClr val="lt2"/>
+                          </a:solidFill>
+                          <a:latin typeface="Courier New"/>
+                          <a:ea typeface="Courier New"/>
+                          <a:cs typeface="Courier New"/>
+                          <a:sym typeface="Courier New"/>
+                        </a:rPr>
+                        <a:t>(instance == </a:t>
+                      </a:r>
+                      <a:r>
+                        <a:rPr lang="it" sz="1100">
+                          <a:solidFill>
+                            <a:srgbClr val="0000BF"/>
+                          </a:solidFill>
+                          <a:latin typeface="Courier New"/>
+                          <a:ea typeface="Courier New"/>
+                          <a:cs typeface="Courier New"/>
+                          <a:sym typeface="Courier New"/>
+                        </a:rPr>
+                        <a:t>null</a:t>
+                      </a:r>
+                      <a:r>
+                        <a:rPr lang="it" sz="1100">
+                          <a:solidFill>
+                            <a:schemeClr val="lt2"/>
+                          </a:solidFill>
+                          <a:latin typeface="Courier New"/>
+                          <a:ea typeface="Courier New"/>
+                          <a:cs typeface="Courier New"/>
+                          <a:sym typeface="Courier New"/>
+                        </a:rPr>
+                        <a:t>)</a:t>
+                      </a:r>
+                      <a:endParaRPr sz="1100">
+                        <a:solidFill>
+                          <a:schemeClr val="lt2"/>
+                        </a:solidFill>
+                        <a:latin typeface="Courier New"/>
+                        <a:ea typeface="Courier New"/>
+                        <a:cs typeface="Courier New"/>
+                        <a:sym typeface="Courier New"/>
+                      </a:endParaRPr>
+                    </a:p>
+                    <a:p>
+                      <a:pPr indent="0" lvl="0" marL="0" rtl="0" algn="l">
+                        <a:spcBef>
+                          <a:spcPts val="0"/>
+                        </a:spcBef>
+                        <a:spcAft>
+                          <a:spcPts val="0"/>
+                        </a:spcAft>
+                        <a:buNone/>
+                      </a:pPr>
+                      <a:r>
+                        <a:rPr lang="it" sz="1100">
+                          <a:solidFill>
+                            <a:schemeClr val="lt2"/>
+                          </a:solidFill>
+                          <a:latin typeface="Courier New"/>
+                          <a:ea typeface="Courier New"/>
+                          <a:cs typeface="Courier New"/>
+                          <a:sym typeface="Courier New"/>
+                        </a:rPr>
+                        <a:t>      instance = </a:t>
+                      </a:r>
+                      <a:r>
+                        <a:rPr lang="it" sz="1100">
+                          <a:solidFill>
+                            <a:srgbClr val="0000BF"/>
+                          </a:solidFill>
+                          <a:latin typeface="Courier New"/>
+                          <a:ea typeface="Courier New"/>
+                          <a:cs typeface="Courier New"/>
+                          <a:sym typeface="Courier New"/>
+                        </a:rPr>
+                        <a:t>new</a:t>
+                      </a:r>
+                      <a:r>
+                        <a:rPr lang="it" sz="1100">
+                          <a:solidFill>
+                            <a:schemeClr val="lt2"/>
+                          </a:solidFill>
+                          <a:latin typeface="Courier New"/>
+                          <a:ea typeface="Courier New"/>
+                          <a:cs typeface="Courier New"/>
+                          <a:sym typeface="Courier New"/>
+                        </a:rPr>
+                        <a:t> MyLazy();</a:t>
+                      </a:r>
+                      <a:endParaRPr sz="1100">
+                        <a:solidFill>
+                          <a:schemeClr val="lt2"/>
+                        </a:solidFill>
+                        <a:latin typeface="Courier New"/>
+                        <a:ea typeface="Courier New"/>
+                        <a:cs typeface="Courier New"/>
+                        <a:sym typeface="Courier New"/>
+                      </a:endParaRPr>
+                    </a:p>
+                    <a:p>
+                      <a:pPr indent="0" lvl="0" marL="0" rtl="0" algn="l">
+                        <a:spcBef>
+                          <a:spcPts val="0"/>
+                        </a:spcBef>
+                        <a:spcAft>
+                          <a:spcPts val="0"/>
+                        </a:spcAft>
+                        <a:buNone/>
+                      </a:pPr>
+                      <a:r>
+                        <a:rPr lang="it" sz="1100">
+                          <a:solidFill>
+                            <a:schemeClr val="lt2"/>
+                          </a:solidFill>
+                          <a:latin typeface="Courier New"/>
+                          <a:ea typeface="Courier New"/>
+                          <a:cs typeface="Courier New"/>
+                          <a:sym typeface="Courier New"/>
+                        </a:rPr>
+                        <a:t>    </a:t>
+                      </a:r>
+                      <a:r>
+                        <a:rPr lang="it" sz="1100">
+                          <a:solidFill>
+                            <a:srgbClr val="0000BF"/>
+                          </a:solidFill>
+                          <a:latin typeface="Courier New"/>
+                          <a:ea typeface="Courier New"/>
+                          <a:cs typeface="Courier New"/>
+                          <a:sym typeface="Courier New"/>
+                        </a:rPr>
+                        <a:t>return</a:t>
+                      </a:r>
+                      <a:r>
+                        <a:rPr lang="it" sz="1100">
+                          <a:solidFill>
+                            <a:schemeClr val="lt2"/>
+                          </a:solidFill>
+                          <a:latin typeface="Courier New"/>
+                          <a:ea typeface="Courier New"/>
+                          <a:cs typeface="Courier New"/>
+                          <a:sym typeface="Courier New"/>
+                        </a:rPr>
+                        <a:t> instance;</a:t>
+                      </a:r>
+                      <a:endParaRPr sz="1100">
+                        <a:solidFill>
+                          <a:schemeClr val="lt2"/>
+                        </a:solidFill>
+                        <a:latin typeface="Courier New"/>
+                        <a:ea typeface="Courier New"/>
+                        <a:cs typeface="Courier New"/>
+                        <a:sym typeface="Courier New"/>
+                      </a:endParaRPr>
+                    </a:p>
+                    <a:p>
+                      <a:pPr indent="0" lvl="0" marL="0" rtl="0" algn="l">
+                        <a:spcBef>
+                          <a:spcPts val="0"/>
+                        </a:spcBef>
+                        <a:spcAft>
+                          <a:spcPts val="0"/>
+                        </a:spcAft>
+                        <a:buNone/>
+                      </a:pPr>
+                      <a:r>
+                        <a:rPr lang="it" sz="1100">
+                          <a:solidFill>
+                            <a:schemeClr val="lt2"/>
+                          </a:solidFill>
+                          <a:latin typeface="Courier New"/>
+                          <a:ea typeface="Courier New"/>
+                          <a:cs typeface="Courier New"/>
+                          <a:sym typeface="Courier New"/>
+                        </a:rPr>
+                        <a:t>  }</a:t>
+                      </a:r>
+                      <a:endParaRPr sz="1100">
+                        <a:solidFill>
+                          <a:schemeClr val="lt2"/>
+                        </a:solidFill>
+                        <a:latin typeface="Courier New"/>
+                        <a:ea typeface="Courier New"/>
+                        <a:cs typeface="Courier New"/>
+                        <a:sym typeface="Courier New"/>
+                      </a:endParaRPr>
+                    </a:p>
+                    <a:p>
+                      <a:pPr indent="0" lvl="0" marL="0" rtl="0" algn="l">
+                        <a:spcBef>
+                          <a:spcPts val="0"/>
+                        </a:spcBef>
+                        <a:spcAft>
+                          <a:spcPts val="0"/>
+                        </a:spcAft>
+                        <a:buNone/>
+                      </a:pPr>
+                      <a:r>
+                        <a:rPr lang="it" sz="1100">
+                          <a:solidFill>
+                            <a:schemeClr val="lt2"/>
+                          </a:solidFill>
+                          <a:latin typeface="Courier New"/>
+                          <a:ea typeface="Courier New"/>
+                          <a:cs typeface="Courier New"/>
+                          <a:sym typeface="Courier New"/>
+                        </a:rPr>
+                        <a:t>  </a:t>
+                      </a:r>
+                      <a:r>
+                        <a:rPr lang="it" sz="1100">
+                          <a:solidFill>
+                            <a:srgbClr val="0000BF"/>
+                          </a:solidFill>
+                          <a:latin typeface="Courier New"/>
+                          <a:ea typeface="Courier New"/>
+                          <a:cs typeface="Courier New"/>
+                          <a:sym typeface="Courier New"/>
+                        </a:rPr>
+                        <a:t>public void </a:t>
+                      </a:r>
+                      <a:r>
+                        <a:rPr lang="it" sz="1100">
+                          <a:solidFill>
+                            <a:schemeClr val="lt2"/>
+                          </a:solidFill>
+                          <a:latin typeface="Courier New"/>
+                          <a:ea typeface="Courier New"/>
+                          <a:cs typeface="Courier New"/>
+                          <a:sym typeface="Courier New"/>
+                        </a:rPr>
+                        <a:t>hi() { System.out.println(</a:t>
+                      </a:r>
+                      <a:r>
+                        <a:rPr lang="it" sz="1100">
+                          <a:solidFill>
+                            <a:srgbClr val="9400D1"/>
+                          </a:solidFill>
+                          <a:latin typeface="Courier New"/>
+                          <a:ea typeface="Courier New"/>
+                          <a:cs typeface="Courier New"/>
+                          <a:sym typeface="Courier New"/>
+                        </a:rPr>
+                        <a:t>"hi!"</a:t>
+                      </a:r>
+                      <a:r>
+                        <a:rPr lang="it" sz="1100">
+                          <a:solidFill>
+                            <a:schemeClr val="lt2"/>
+                          </a:solidFill>
+                          <a:latin typeface="Courier New"/>
+                          <a:ea typeface="Courier New"/>
+                          <a:cs typeface="Courier New"/>
+                          <a:sym typeface="Courier New"/>
+                        </a:rPr>
+                        <a:t>); }</a:t>
+                      </a:r>
+                      <a:endParaRPr sz="1100">
+                        <a:solidFill>
+                          <a:schemeClr val="lt2"/>
+                        </a:solidFill>
+                        <a:latin typeface="Courier New"/>
+                        <a:ea typeface="Courier New"/>
+                        <a:cs typeface="Courier New"/>
+                        <a:sym typeface="Courier New"/>
+                      </a:endParaRPr>
+                    </a:p>
+                    <a:p>
+                      <a:pPr indent="0" lvl="0" marL="0" rtl="0" algn="l">
+                        <a:spcBef>
+                          <a:spcPts val="0"/>
+                        </a:spcBef>
+                        <a:spcAft>
+                          <a:spcPts val="0"/>
+                        </a:spcAft>
+                        <a:buNone/>
+                      </a:pPr>
+                      <a:r>
+                        <a:rPr lang="it" sz="1100">
+                          <a:solidFill>
+                            <a:schemeClr val="lt2"/>
+                          </a:solidFill>
+                          <a:latin typeface="Courier New"/>
+                          <a:ea typeface="Courier New"/>
+                          <a:cs typeface="Courier New"/>
+                          <a:sym typeface="Courier New"/>
+                        </a:rPr>
+                        <a:t>}</a:t>
+                      </a:r>
+                      <a:endParaRPr sz="1200">
+                        <a:solidFill>
+                          <a:srgbClr val="0000BF"/>
+                        </a:solidFill>
+                        <a:latin typeface="Courier New"/>
+                        <a:ea typeface="Courier New"/>
+                        <a:cs typeface="Courier New"/>
+                        <a:sym typeface="Courier New"/>
+                      </a:endParaRPr>
+                    </a:p>
+                  </a:txBody>
+                  <a:tcPr marT="91425" marB="91425" marR="91425" marL="91425">
+                    <a:lnL cap="flat" cmpd="sng" w="9525">
+                      <a:solidFill>
+                        <a:schemeClr val="dk1"/>
+                      </a:solidFill>
+                      <a:prstDash val="solid"/>
+                      <a:round/>
+                      <a:headEnd len="sm" w="sm" type="none"/>
+                      <a:tailEnd len="sm" w="sm" type="none"/>
+                    </a:lnL>
+                    <a:lnR cap="flat" cmpd="sng" w="9525">
+                      <a:solidFill>
+                        <a:schemeClr val="dk1"/>
+                      </a:solidFill>
+                      <a:prstDash val="solid"/>
+                      <a:round/>
+                      <a:headEnd len="sm" w="sm" type="none"/>
+                      <a:tailEnd len="sm" w="sm" type="none"/>
+                    </a:lnR>
+                    <a:lnT cap="flat" cmpd="sng" w="9525">
+                      <a:solidFill>
+                        <a:schemeClr val="dk1"/>
+                      </a:solidFill>
+                      <a:prstDash val="solid"/>
+                      <a:round/>
+                      <a:headEnd len="sm" w="sm" type="none"/>
+                      <a:tailEnd len="sm" w="sm" type="none"/>
+                    </a:lnT>
+                    <a:lnB cap="flat" cmpd="sng" w="9525">
+                      <a:solidFill>
+                        <a:schemeClr val="dk1"/>
+                      </a:solidFill>
+                      <a:prstDash val="solid"/>
+                      <a:round/>
+                      <a:headEnd len="sm" w="sm" type="none"/>
+                      <a:tailEnd len="sm" w="sm" type="none"/>
+                    </a:lnB>
+                  </a:tcPr>
+                </a:tc>
+              </a:tr>
+              <a:tr h="1437875">
+                <a:tc gridSpan="2">
+                  <a:txBody>
+                    <a:bodyPr/>
+                    <a:lstStyle/>
+                    <a:p>
+                      <a:pPr indent="0" lvl="0" marL="0" rtl="0" algn="l">
+                        <a:spcBef>
+                          <a:spcPts val="0"/>
+                        </a:spcBef>
+                        <a:spcAft>
+                          <a:spcPts val="0"/>
+                        </a:spcAft>
+                        <a:buNone/>
+                      </a:pPr>
+                      <a:r>
+                        <a:rPr lang="it" sz="1100">
+                          <a:solidFill>
+                            <a:srgbClr val="1EB540"/>
+                          </a:solidFill>
+                          <a:latin typeface="Courier New"/>
+                          <a:ea typeface="Courier New"/>
+                          <a:cs typeface="Courier New"/>
+                          <a:sym typeface="Courier New"/>
+                        </a:rPr>
+                        <a:t>//Utilizzo</a:t>
+                      </a:r>
+                      <a:endParaRPr sz="1100">
+                        <a:solidFill>
+                          <a:srgbClr val="0000BF"/>
+                        </a:solidFill>
+                        <a:latin typeface="Courier New"/>
+                        <a:ea typeface="Courier New"/>
+                        <a:cs typeface="Courier New"/>
+                        <a:sym typeface="Courier New"/>
+                      </a:endParaRPr>
+                    </a:p>
+                    <a:p>
+                      <a:pPr indent="0" lvl="0" marL="0" rtl="0" algn="l">
+                        <a:spcBef>
+                          <a:spcPts val="0"/>
+                        </a:spcBef>
+                        <a:spcAft>
+                          <a:spcPts val="0"/>
+                        </a:spcAft>
+                        <a:buNone/>
+                      </a:pPr>
+                      <a:r>
+                        <a:rPr lang="it" sz="1100">
+                          <a:solidFill>
+                            <a:srgbClr val="0000BF"/>
+                          </a:solidFill>
+                          <a:latin typeface="Courier New"/>
+                          <a:ea typeface="Courier New"/>
+                          <a:cs typeface="Courier New"/>
+                          <a:sym typeface="Courier New"/>
+                        </a:rPr>
+                        <a:t>public class</a:t>
+                      </a:r>
+                      <a:r>
+                        <a:rPr lang="it" sz="1100">
+                          <a:solidFill>
+                            <a:schemeClr val="lt2"/>
+                          </a:solidFill>
+                          <a:latin typeface="Courier New"/>
+                          <a:ea typeface="Courier New"/>
+                          <a:cs typeface="Courier New"/>
+                          <a:sym typeface="Courier New"/>
+                        </a:rPr>
+                        <a:t> Test {</a:t>
+                      </a:r>
+                      <a:endParaRPr sz="1100">
+                        <a:solidFill>
+                          <a:schemeClr val="lt2"/>
+                        </a:solidFill>
+                        <a:latin typeface="Courier New"/>
+                        <a:ea typeface="Courier New"/>
+                        <a:cs typeface="Courier New"/>
+                        <a:sym typeface="Courier New"/>
+                      </a:endParaRPr>
+                    </a:p>
+                    <a:p>
+                      <a:pPr indent="0" lvl="0" marL="0" rtl="0" algn="l">
+                        <a:spcBef>
+                          <a:spcPts val="0"/>
+                        </a:spcBef>
+                        <a:spcAft>
+                          <a:spcPts val="0"/>
+                        </a:spcAft>
+                        <a:buNone/>
+                      </a:pPr>
+                      <a:r>
+                        <a:rPr lang="it" sz="1100">
+                          <a:solidFill>
+                            <a:schemeClr val="lt2"/>
+                          </a:solidFill>
+                          <a:latin typeface="Courier New"/>
+                          <a:ea typeface="Courier New"/>
+                          <a:cs typeface="Courier New"/>
+                          <a:sym typeface="Courier New"/>
+                        </a:rPr>
+                        <a:t>  </a:t>
+                      </a:r>
+                      <a:r>
+                        <a:rPr lang="it" sz="1100">
+                          <a:solidFill>
+                            <a:srgbClr val="0000BF"/>
+                          </a:solidFill>
+                          <a:latin typeface="Courier New"/>
+                          <a:ea typeface="Courier New"/>
+                          <a:cs typeface="Courier New"/>
+                          <a:sym typeface="Courier New"/>
+                        </a:rPr>
+                        <a:t>private</a:t>
+                      </a:r>
+                      <a:r>
+                        <a:rPr lang="it" sz="1100">
+                          <a:solidFill>
+                            <a:schemeClr val="lt2"/>
+                          </a:solidFill>
+                          <a:latin typeface="Courier New"/>
+                          <a:ea typeface="Courier New"/>
+                          <a:cs typeface="Courier New"/>
+                          <a:sym typeface="Courier New"/>
+                        </a:rPr>
+                        <a:t> </a:t>
+                      </a:r>
+                      <a:r>
+                        <a:rPr lang="it" sz="1100">
+                          <a:solidFill>
+                            <a:srgbClr val="0000BF"/>
+                          </a:solidFill>
+                          <a:latin typeface="Courier New"/>
+                          <a:ea typeface="Courier New"/>
+                          <a:cs typeface="Courier New"/>
+                          <a:sym typeface="Courier New"/>
+                        </a:rPr>
+                        <a:t>static void </a:t>
+                      </a:r>
+                      <a:r>
+                        <a:rPr lang="it" sz="1100">
+                          <a:solidFill>
+                            <a:schemeClr val="lt2"/>
+                          </a:solidFill>
+                          <a:latin typeface="Courier New"/>
+                          <a:ea typeface="Courier New"/>
+                          <a:cs typeface="Courier New"/>
+                          <a:sym typeface="Courier New"/>
+                        </a:rPr>
+                        <a:t>main(String[] args) {</a:t>
+                      </a:r>
+                      <a:endParaRPr sz="1100">
+                        <a:solidFill>
+                          <a:schemeClr val="lt2"/>
+                        </a:solidFill>
+                        <a:latin typeface="Courier New"/>
+                        <a:ea typeface="Courier New"/>
+                        <a:cs typeface="Courier New"/>
+                        <a:sym typeface="Courier New"/>
+                      </a:endParaRPr>
+                    </a:p>
+                    <a:p>
+                      <a:pPr indent="0" lvl="0" marL="0" rtl="0" algn="l">
+                        <a:spcBef>
+                          <a:spcPts val="0"/>
+                        </a:spcBef>
+                        <a:spcAft>
+                          <a:spcPts val="0"/>
+                        </a:spcAft>
+                        <a:buNone/>
+                      </a:pPr>
+                      <a:r>
+                        <a:rPr lang="it" sz="1100">
+                          <a:solidFill>
+                            <a:schemeClr val="lt2"/>
+                          </a:solidFill>
+                          <a:latin typeface="Courier New"/>
+                          <a:ea typeface="Courier New"/>
+                          <a:cs typeface="Courier New"/>
+                          <a:sym typeface="Courier New"/>
+                        </a:rPr>
+                        <a:t>      MyEarly.getInstance().hi();</a:t>
+                      </a:r>
+                      <a:endParaRPr sz="1100">
+                        <a:solidFill>
+                          <a:schemeClr val="lt2"/>
+                        </a:solidFill>
+                        <a:latin typeface="Courier New"/>
+                        <a:ea typeface="Courier New"/>
+                        <a:cs typeface="Courier New"/>
+                        <a:sym typeface="Courier New"/>
+                      </a:endParaRPr>
+                    </a:p>
+                    <a:p>
+                      <a:pPr indent="0" lvl="0" marL="0" rtl="0" algn="l">
+                        <a:spcBef>
+                          <a:spcPts val="0"/>
+                        </a:spcBef>
+                        <a:spcAft>
+                          <a:spcPts val="0"/>
+                        </a:spcAft>
+                        <a:buNone/>
+                      </a:pPr>
+                      <a:r>
+                        <a:rPr lang="it" sz="1100">
+                          <a:solidFill>
+                            <a:schemeClr val="lt2"/>
+                          </a:solidFill>
+                          <a:latin typeface="Courier New"/>
+                          <a:ea typeface="Courier New"/>
+                          <a:cs typeface="Courier New"/>
+                          <a:sym typeface="Courier New"/>
+                        </a:rPr>
+                        <a:t>      MyLazy.getInstance().hi();</a:t>
+                      </a:r>
+                      <a:endParaRPr sz="1100">
+                        <a:solidFill>
+                          <a:schemeClr val="lt2"/>
+                        </a:solidFill>
+                        <a:latin typeface="Courier New"/>
+                        <a:ea typeface="Courier New"/>
+                        <a:cs typeface="Courier New"/>
+                        <a:sym typeface="Courier New"/>
+                      </a:endParaRPr>
+                    </a:p>
+                    <a:p>
+                      <a:pPr indent="0" lvl="0" marL="0" rtl="0" algn="l">
+                        <a:spcBef>
+                          <a:spcPts val="0"/>
+                        </a:spcBef>
+                        <a:spcAft>
+                          <a:spcPts val="0"/>
+                        </a:spcAft>
+                        <a:buNone/>
+                      </a:pPr>
+                      <a:r>
+                        <a:rPr lang="it" sz="1100">
+                          <a:solidFill>
+                            <a:schemeClr val="lt2"/>
+                          </a:solidFill>
+                          <a:latin typeface="Courier New"/>
+                          <a:ea typeface="Courier New"/>
+                          <a:cs typeface="Courier New"/>
+                          <a:sym typeface="Courier New"/>
+                        </a:rPr>
+                        <a:t>  }</a:t>
+                      </a:r>
+                      <a:endParaRPr sz="1100">
+                        <a:solidFill>
+                          <a:schemeClr val="lt2"/>
+                        </a:solidFill>
+                        <a:latin typeface="Courier New"/>
+                        <a:ea typeface="Courier New"/>
+                        <a:cs typeface="Courier New"/>
+                        <a:sym typeface="Courier New"/>
+                      </a:endParaRPr>
+                    </a:p>
+                    <a:p>
+                      <a:pPr indent="0" lvl="0" marL="0" rtl="0" algn="l">
+                        <a:spcBef>
+                          <a:spcPts val="0"/>
+                        </a:spcBef>
+                        <a:spcAft>
+                          <a:spcPts val="0"/>
+                        </a:spcAft>
+                        <a:buNone/>
+                      </a:pPr>
+                      <a:r>
+                        <a:rPr lang="it" sz="1100">
+                          <a:solidFill>
+                            <a:schemeClr val="lt2"/>
+                          </a:solidFill>
+                          <a:latin typeface="Courier New"/>
+                          <a:ea typeface="Courier New"/>
+                          <a:cs typeface="Courier New"/>
+                          <a:sym typeface="Courier New"/>
+                        </a:rPr>
+                        <a:t>}</a:t>
+                      </a:r>
+                      <a:endParaRPr sz="1100">
+                        <a:solidFill>
+                          <a:srgbClr val="0000BF"/>
+                        </a:solidFill>
+                        <a:latin typeface="Courier New"/>
+                        <a:ea typeface="Courier New"/>
+                        <a:cs typeface="Courier New"/>
+                        <a:sym typeface="Courier New"/>
+                      </a:endParaRPr>
+                    </a:p>
+                  </a:txBody>
+                  <a:tcPr marT="91425" marB="91425" marR="91425" marL="91425">
+                    <a:lnL cap="flat" cmpd="sng" w="9525">
+                      <a:solidFill>
+                        <a:schemeClr val="dk1"/>
+                      </a:solidFill>
+                      <a:prstDash val="solid"/>
+                      <a:round/>
+                      <a:headEnd len="sm" w="sm" type="none"/>
+                      <a:tailEnd len="sm" w="sm" type="none"/>
+                    </a:lnL>
+                    <a:lnR cap="flat" cmpd="sng" w="9525">
+                      <a:solidFill>
+                        <a:schemeClr val="dk1"/>
+                      </a:solidFill>
+                      <a:prstDash val="solid"/>
+                      <a:round/>
+                      <a:headEnd len="sm" w="sm" type="none"/>
+                      <a:tailEnd len="sm" w="sm" type="none"/>
+                    </a:lnR>
+                    <a:lnT cap="flat" cmpd="sng" w="9525">
+                      <a:solidFill>
+                        <a:schemeClr val="dk1"/>
+                      </a:solidFill>
+                      <a:prstDash val="solid"/>
+                      <a:round/>
+                      <a:headEnd len="sm" w="sm" type="none"/>
+                      <a:tailEnd len="sm" w="sm" type="none"/>
+                    </a:lnT>
+                    <a:lnB cap="flat" cmpd="sng" w="9525">
+                      <a:solidFill>
+                        <a:schemeClr val="dk1"/>
+                      </a:solidFill>
+                      <a:prstDash val="solid"/>
+                      <a:round/>
+                      <a:headEnd len="sm" w="sm" type="none"/>
+                      <a:tailEnd len="sm" w="sm" type="none"/>
+                    </a:lnB>
+                  </a:tcPr>
+                </a:tc>
+                <a:tc hMerge="1"/>
+              </a:tr>
+            </a:tbl>
+          </a:graphicData>
+        </a:graphic>
+      </p:graphicFrame>
+    </p:spTree>
+  </p:cSld>
+  <p:clrMapOvr>
+    <a:masterClrMapping/>
+  </p:clrMapOvr>
+</p:sld>
+</file>
+
 <file path=ppt/slides/slide2.xml><?xml version="1.0" encoding="utf-8"?>
 <p:sld xmlns:a="http://schemas.openxmlformats.org/drawingml/2006/main" xmlns:r="http://schemas.openxmlformats.org/officeDocument/2006/relationships" xmlns:mc="http://schemas.openxmlformats.org/markup-compatibility/2006" xmlns:mv="urn:schemas-microsoft-com:mac:vml" xmlns:p="http://schemas.openxmlformats.org/presentationml/2006/main" xmlns:c="http://schemas.openxmlformats.org/drawingml/2006/chart" xmlns:dgm="http://schemas.openxmlformats.org/drawingml/2006/diagram" xmlns:o="urn:schemas-microsoft-com:office:office" xmlns:v="urn:schemas-microsoft-com:vml" xmlns:pvml="urn:schemas-microsoft-com:office:powerpoint" xmlns:com="http://schemas.openxmlformats.org/drawingml/2006/compatibility" xmlns:p14="http://schemas.microsoft.com/office/powerpoint/2010/main" xmlns:p15="http://schemas.microsoft.com/office/powerpoint/2012/main" xmlns:ahyp="http://schemas.microsoft.com/office/drawing/2018/hyperlinkcolor">
   <p:cSld>
@@ -11197,15 +13538,15 @@
         </p:nvSpPr>
         <p:spPr>
           <a:xfrm>
-            <a:off x="471900" y="738725"/>
-            <a:ext cx="8222100" cy="767700"/>
+            <a:off x="98250" y="16350"/>
+            <a:ext cx="8826600" cy="602700"/>
           </a:xfrm>
           <a:prstGeom prst="rect">
             <a:avLst/>
           </a:prstGeom>
         </p:spPr>
         <p:txBody>
-          <a:bodyPr anchorCtr="0" anchor="b" bIns="91425" lIns="91425" spcFirstLastPara="1" rIns="91425" wrap="square" tIns="91425">
+          <a:bodyPr anchorCtr="0" anchor="ctr" bIns="91425" lIns="91425" spcFirstLastPara="1" rIns="91425" wrap="square" tIns="91425">
             <a:noAutofit/>
           </a:bodyPr>
           <a:lstStyle/>
@@ -11234,7 +13575,7 @@
           <p:nvPr/>
         </p:nvGraphicFramePr>
         <p:xfrm>
-          <a:off x="183863" y="1823425"/>
+          <a:off x="-12" y="667270"/>
           <a:ext cx="3000000" cy="3000000"/>
         </p:xfrm>
         <a:graphic>
@@ -11242,13 +13583,13 @@
             <a:tbl>
               <a:tblPr>
                 <a:noFill/>
-                <a:tableStyleId>{E920652A-8BE6-4F88-8384-A263BE8ADB29}</a:tableStyleId>
+                <a:tableStyleId>{8BBA306A-D0F0-4FDC-9730-2D7CA0645170}</a:tableStyleId>
               </a:tblPr>
               <a:tblGrid>
-                <a:gridCol w="4265950"/>
-                <a:gridCol w="4359425"/>
+                <a:gridCol w="4667450"/>
+                <a:gridCol w="4476550"/>
               </a:tblGrid>
-              <a:tr h="381000">
+              <a:tr h="476200">
                 <a:tc>
                   <a:txBody>
                     <a:bodyPr/>
@@ -11283,7 +13624,44 @@
                       </a:endParaRPr>
                     </a:p>
                   </a:txBody>
-                  <a:tcPr marT="91425" marB="91425" marR="91425" marL="91425"/>
+                  <a:tcPr marT="91425" marB="91425" marR="91425" marL="91425">
+                    <a:lnL cap="flat" cmpd="sng" w="9525">
+                      <a:solidFill>
+                        <a:schemeClr val="dk1"/>
+                      </a:solidFill>
+                      <a:prstDash val="solid"/>
+                      <a:round/>
+                      <a:headEnd len="sm" w="sm" type="none"/>
+                      <a:tailEnd len="sm" w="sm" type="none"/>
+                    </a:lnL>
+                    <a:lnR cap="flat" cmpd="sng" w="9525">
+                      <a:solidFill>
+                        <a:schemeClr val="dk1"/>
+                      </a:solidFill>
+                      <a:prstDash val="solid"/>
+                      <a:round/>
+                      <a:headEnd len="sm" w="sm" type="none"/>
+                      <a:tailEnd len="sm" w="sm" type="none"/>
+                    </a:lnR>
+                    <a:lnT cap="flat" cmpd="sng" w="9525">
+                      <a:solidFill>
+                        <a:schemeClr val="dk1"/>
+                      </a:solidFill>
+                      <a:prstDash val="solid"/>
+                      <a:round/>
+                      <a:headEnd len="sm" w="sm" type="none"/>
+                      <a:tailEnd len="sm" w="sm" type="none"/>
+                    </a:lnT>
+                    <a:lnB cap="flat" cmpd="sng" w="9525">
+                      <a:solidFill>
+                        <a:schemeClr val="dk1"/>
+                      </a:solidFill>
+                      <a:prstDash val="solid"/>
+                      <a:round/>
+                      <a:headEnd len="sm" w="sm" type="none"/>
+                      <a:tailEnd len="sm" w="sm" type="none"/>
+                    </a:lnB>
+                  </a:tcPr>
                 </a:tc>
                 <a:tc>
                   <a:txBody>
@@ -11319,10 +13697,47 @@
                       </a:endParaRPr>
                     </a:p>
                   </a:txBody>
-                  <a:tcPr marT="91425" marB="91425" marR="91425" marL="91425"/>
+                  <a:tcPr marT="91425" marB="91425" marR="91425" marL="91425">
+                    <a:lnL cap="flat" cmpd="sng" w="9525">
+                      <a:solidFill>
+                        <a:schemeClr val="dk1"/>
+                      </a:solidFill>
+                      <a:prstDash val="solid"/>
+                      <a:round/>
+                      <a:headEnd len="sm" w="sm" type="none"/>
+                      <a:tailEnd len="sm" w="sm" type="none"/>
+                    </a:lnL>
+                    <a:lnR cap="flat" cmpd="sng" w="9525">
+                      <a:solidFill>
+                        <a:schemeClr val="dk1"/>
+                      </a:solidFill>
+                      <a:prstDash val="solid"/>
+                      <a:round/>
+                      <a:headEnd len="sm" w="sm" type="none"/>
+                      <a:tailEnd len="sm" w="sm" type="none"/>
+                    </a:lnR>
+                    <a:lnT cap="flat" cmpd="sng" w="9525">
+                      <a:solidFill>
+                        <a:schemeClr val="dk1"/>
+                      </a:solidFill>
+                      <a:prstDash val="solid"/>
+                      <a:round/>
+                      <a:headEnd len="sm" w="sm" type="none"/>
+                      <a:tailEnd len="sm" w="sm" type="none"/>
+                    </a:lnT>
+                    <a:lnB cap="flat" cmpd="sng" w="9525">
+                      <a:solidFill>
+                        <a:schemeClr val="dk1"/>
+                      </a:solidFill>
+                      <a:prstDash val="solid"/>
+                      <a:round/>
+                      <a:headEnd len="sm" w="sm" type="none"/>
+                      <a:tailEnd len="sm" w="sm" type="none"/>
+                    </a:lnB>
+                  </a:tcPr>
                 </a:tc>
               </a:tr>
-              <a:tr h="2834600">
+              <a:tr h="4000025">
                 <a:tc>
                   <a:txBody>
                     <a:bodyPr/>
@@ -11338,7 +13753,7 @@
                         <a:buNone/>
                       </a:pPr>
                       <a:r>
-                        <a:rPr lang="it" sz="1000">
+                        <a:rPr lang="it" sz="1100">
                           <a:solidFill>
                             <a:srgbClr val="0000BF"/>
                           </a:solidFill>
@@ -11350,7 +13765,7 @@
                         <a:t>public class</a:t>
                       </a:r>
                       <a:r>
-                        <a:rPr lang="it" sz="1000">
+                        <a:rPr lang="it" sz="1100">
                           <a:solidFill>
                             <a:schemeClr val="lt2"/>
                           </a:solidFill>
@@ -11362,7 +13777,7 @@
                         <a:t> MyController </a:t>
                       </a:r>
                       <a:r>
-                        <a:rPr lang="it" sz="1000">
+                        <a:rPr lang="it" sz="1100">
                           <a:solidFill>
                             <a:srgbClr val="0000BF"/>
                           </a:solidFill>
@@ -11374,7 +13789,7 @@
                         <a:t>implements</a:t>
                       </a:r>
                       <a:r>
-                        <a:rPr lang="it" sz="1000">
+                        <a:rPr lang="it" sz="1100">
                           <a:solidFill>
                             <a:schemeClr val="lt2"/>
                           </a:solidFill>
@@ -11385,7 +13800,7 @@
                         </a:rPr>
                         <a:t> MouseListener {</a:t>
                       </a:r>
-                      <a:endParaRPr sz="1000">
+                      <a:endParaRPr sz="1100">
                         <a:solidFill>
                           <a:schemeClr val="lt2"/>
                         </a:solidFill>
@@ -11408,7 +13823,7 @@
                       <a:r>
                         <a:t/>
                       </a:r>
-                      <a:endParaRPr sz="1000">
+                      <a:endParaRPr sz="1100">
                         <a:solidFill>
                           <a:schemeClr val="lt2"/>
                         </a:solidFill>
@@ -11429,7 +13844,7 @@
                         <a:buNone/>
                       </a:pPr>
                       <a:r>
-                        <a:rPr lang="it" sz="1000">
+                        <a:rPr lang="it" sz="1100">
                           <a:solidFill>
                             <a:schemeClr val="lt2"/>
                           </a:solidFill>
@@ -11441,7 +13856,7 @@
                         <a:t>  </a:t>
                       </a:r>
                       <a:r>
-                        <a:rPr lang="it" sz="1000">
+                        <a:rPr lang="it" sz="1100">
                           <a:solidFill>
                             <a:srgbClr val="0000BF"/>
                           </a:solidFill>
@@ -11453,7 +13868,7 @@
                         <a:t>private</a:t>
                       </a:r>
                       <a:r>
-                        <a:rPr lang="it" sz="1000">
+                        <a:rPr lang="it" sz="1100">
                           <a:solidFill>
                             <a:schemeClr val="lt2"/>
                           </a:solidFill>
@@ -11464,7 +13879,7 @@
                         </a:rPr>
                         <a:t> MyModel objModel;</a:t>
                       </a:r>
-                      <a:endParaRPr sz="1000">
+                      <a:endParaRPr sz="1100">
                         <a:solidFill>
                           <a:schemeClr val="lt2"/>
                         </a:solidFill>
@@ -11485,7 +13900,7 @@
                         <a:buNone/>
                       </a:pPr>
                       <a:r>
-                        <a:rPr lang="it" sz="1000">
+                        <a:rPr lang="it" sz="1100">
                           <a:solidFill>
                             <a:schemeClr val="lt2"/>
                           </a:solidFill>
@@ -11497,7 +13912,7 @@
                         <a:t>  </a:t>
                       </a:r>
                       <a:r>
-                        <a:rPr lang="it" sz="1000">
+                        <a:rPr lang="it" sz="1100">
                           <a:solidFill>
                             <a:srgbClr val="0000BF"/>
                           </a:solidFill>
@@ -11509,7 +13924,7 @@
                         <a:t>private</a:t>
                       </a:r>
                       <a:r>
-                        <a:rPr lang="it" sz="1000">
+                        <a:rPr lang="it" sz="1100">
                           <a:solidFill>
                             <a:schemeClr val="lt2"/>
                           </a:solidFill>
@@ -11520,7 +13935,7 @@
                         </a:rPr>
                         <a:t> MyView objView;</a:t>
                       </a:r>
-                      <a:endParaRPr sz="1000">
+                      <a:endParaRPr sz="1100">
                         <a:solidFill>
                           <a:schemeClr val="lt2"/>
                         </a:solidFill>
@@ -11543,7 +13958,7 @@
                       <a:r>
                         <a:t/>
                       </a:r>
-                      <a:endParaRPr sz="1000">
+                      <a:endParaRPr sz="1100">
                         <a:solidFill>
                           <a:schemeClr val="lt2"/>
                         </a:solidFill>
@@ -11564,7 +13979,7 @@
                         <a:buNone/>
                       </a:pPr>
                       <a:r>
-                        <a:rPr lang="it" sz="1000">
+                        <a:rPr lang="it" sz="1100">
                           <a:solidFill>
                             <a:schemeClr val="lt2"/>
                           </a:solidFill>
@@ -11576,7 +13991,7 @@
                         <a:t>  </a:t>
                       </a:r>
                       <a:r>
-                        <a:rPr lang="it" sz="1000">
+                        <a:rPr lang="it" sz="1100">
                           <a:solidFill>
                             <a:srgbClr val="0000BF"/>
                           </a:solidFill>
@@ -11588,7 +14003,7 @@
                         <a:t>public </a:t>
                       </a:r>
                       <a:r>
-                        <a:rPr lang="it" sz="1000">
+                        <a:rPr lang="it" sz="1100">
                           <a:solidFill>
                             <a:schemeClr val="lt2"/>
                           </a:solidFill>
@@ -11599,7 +14014,7 @@
                         </a:rPr>
                         <a:t>MyController(MyModel model, MyView view) {</a:t>
                       </a:r>
-                      <a:endParaRPr sz="1000">
+                      <a:endParaRPr sz="1100">
                         <a:solidFill>
                           <a:schemeClr val="lt2"/>
                         </a:solidFill>
@@ -11620,7 +14035,7 @@
                         <a:buNone/>
                       </a:pPr>
                       <a:r>
-                        <a:rPr lang="it" sz="1000">
+                        <a:rPr lang="it" sz="1100">
                           <a:solidFill>
                             <a:schemeClr val="lt2"/>
                           </a:solidFill>
@@ -11632,7 +14047,7 @@
                         <a:t>    </a:t>
                       </a:r>
                       <a:r>
-                        <a:rPr lang="it" sz="1000">
+                        <a:rPr lang="it" sz="1100">
                           <a:solidFill>
                             <a:srgbClr val="0000BF"/>
                           </a:solidFill>
@@ -11644,7 +14059,7 @@
                         <a:t>this</a:t>
                       </a:r>
                       <a:r>
-                        <a:rPr lang="it" sz="1000">
+                        <a:rPr lang="it" sz="1100">
                           <a:solidFill>
                             <a:schemeClr val="lt2"/>
                           </a:solidFill>
@@ -11655,7 +14070,7 @@
                         </a:rPr>
                         <a:t>.objModel = model;</a:t>
                       </a:r>
-                      <a:endParaRPr sz="1000">
+                      <a:endParaRPr sz="1100">
                         <a:solidFill>
                           <a:schemeClr val="lt2"/>
                         </a:solidFill>
@@ -11676,7 +14091,7 @@
                         <a:buNone/>
                       </a:pPr>
                       <a:r>
-                        <a:rPr lang="it" sz="1000">
+                        <a:rPr lang="it" sz="1100">
                           <a:solidFill>
                             <a:schemeClr val="lt2"/>
                           </a:solidFill>
@@ -11688,7 +14103,7 @@
                         <a:t>    </a:t>
                       </a:r>
                       <a:r>
-                        <a:rPr lang="it" sz="1000">
+                        <a:rPr lang="it" sz="1100">
                           <a:solidFill>
                             <a:srgbClr val="0000BF"/>
                           </a:solidFill>
@@ -11700,7 +14115,7 @@
                         <a:t>this</a:t>
                       </a:r>
                       <a:r>
-                        <a:rPr lang="it" sz="1000">
+                        <a:rPr lang="it" sz="1100">
                           <a:solidFill>
                             <a:schemeClr val="lt2"/>
                           </a:solidFill>
@@ -11711,7 +14126,7 @@
                         </a:rPr>
                         <a:t>.objView = view;</a:t>
                       </a:r>
-                      <a:endParaRPr sz="1000">
+                      <a:endParaRPr sz="1100">
                         <a:solidFill>
                           <a:schemeClr val="lt2"/>
                         </a:solidFill>
@@ -11732,7 +14147,7 @@
                         <a:buNone/>
                       </a:pPr>
                       <a:r>
-                        <a:rPr lang="it" sz="1000">
+                        <a:rPr lang="it" sz="1100">
                           <a:solidFill>
                             <a:schemeClr val="lt2"/>
                           </a:solidFill>
@@ -11743,7 +14158,7 @@
                         </a:rPr>
                         <a:t>  }</a:t>
                       </a:r>
-                      <a:endParaRPr sz="1000">
+                      <a:endParaRPr sz="1100">
                         <a:solidFill>
                           <a:schemeClr val="lt2"/>
                         </a:solidFill>
@@ -11766,7 +14181,7 @@
                       <a:r>
                         <a:t/>
                       </a:r>
-                      <a:endParaRPr sz="1000">
+                      <a:endParaRPr sz="1100">
                         <a:solidFill>
                           <a:schemeClr val="lt2"/>
                         </a:solidFill>
@@ -11787,7 +14202,7 @@
                         <a:buNone/>
                       </a:pPr>
                       <a:r>
-                        <a:rPr lang="it" sz="1000">
+                        <a:rPr lang="it" sz="1100">
                           <a:solidFill>
                             <a:schemeClr val="lt2"/>
                           </a:solidFill>
@@ -11799,7 +14214,7 @@
                         <a:t>  </a:t>
                       </a:r>
                       <a:r>
-                        <a:rPr lang="it" sz="1000">
+                        <a:rPr lang="it" sz="1100">
                           <a:solidFill>
                             <a:srgbClr val="0000BF"/>
                           </a:solidFill>
@@ -11811,7 +14226,7 @@
                         <a:t>public void</a:t>
                       </a:r>
                       <a:r>
-                        <a:rPr lang="it" sz="1000">
+                        <a:rPr lang="it" sz="1100">
                           <a:solidFill>
                             <a:schemeClr val="lt2"/>
                           </a:solidFill>
@@ -11822,7 +14237,7 @@
                         </a:rPr>
                         <a:t> mousePressed() {</a:t>
                       </a:r>
-                      <a:endParaRPr sz="1000">
+                      <a:endParaRPr sz="1100">
                         <a:solidFill>
                           <a:schemeClr val="lt2"/>
                         </a:solidFill>
@@ -11843,7 +14258,7 @@
                         <a:buNone/>
                       </a:pPr>
                       <a:r>
-                        <a:rPr lang="it" sz="1000">
+                        <a:rPr lang="it" sz="1100">
                           <a:solidFill>
                             <a:schemeClr val="lt2"/>
                           </a:solidFill>
@@ -11854,7 +14269,7 @@
                         </a:rPr>
                         <a:t>    objModel.doSomething();</a:t>
                       </a:r>
-                      <a:endParaRPr sz="1000">
+                      <a:endParaRPr sz="1100">
                         <a:solidFill>
                           <a:schemeClr val="lt2"/>
                         </a:solidFill>
@@ -11875,7 +14290,7 @@
                         <a:buNone/>
                       </a:pPr>
                       <a:r>
-                        <a:rPr lang="it" sz="1000">
+                        <a:rPr lang="it" sz="1100">
                           <a:solidFill>
                             <a:schemeClr val="lt2"/>
                           </a:solidFill>
@@ -11886,7 +14301,7 @@
                         </a:rPr>
                         <a:t>    objView.doSomething();</a:t>
                       </a:r>
-                      <a:endParaRPr sz="1000">
+                      <a:endParaRPr sz="1100">
                         <a:solidFill>
                           <a:schemeClr val="lt2"/>
                         </a:solidFill>
@@ -11907,7 +14322,7 @@
                         <a:buNone/>
                       </a:pPr>
                       <a:r>
-                        <a:rPr lang="it" sz="1000">
+                        <a:rPr lang="it" sz="1100">
                           <a:solidFill>
                             <a:schemeClr val="lt2"/>
                           </a:solidFill>
@@ -11918,7 +14333,7 @@
                         </a:rPr>
                         <a:t>  }</a:t>
                       </a:r>
-                      <a:endParaRPr sz="1000">
+                      <a:endParaRPr sz="1100">
                         <a:solidFill>
                           <a:schemeClr val="lt2"/>
                         </a:solidFill>
@@ -11939,7 +14354,7 @@
                         <a:buNone/>
                       </a:pPr>
                       <a:r>
-                        <a:rPr lang="it" sz="1000">
+                        <a:rPr lang="it" sz="1100">
                           <a:solidFill>
                             <a:schemeClr val="lt2"/>
                           </a:solidFill>
@@ -11950,33 +14365,47 @@
                         </a:rPr>
                         <a:t>}</a:t>
                       </a:r>
-                      <a:endParaRPr sz="1700">
-                        <a:solidFill>
-                          <a:schemeClr val="lt2"/>
-                        </a:solidFill>
-                        <a:latin typeface="Roboto"/>
-                        <a:ea typeface="Roboto"/>
-                        <a:cs typeface="Roboto"/>
-                        <a:sym typeface="Roboto"/>
-                      </a:endParaRPr>
-                    </a:p>
-                    <a:p>
-                      <a:pPr indent="0" lvl="0" marL="0" rtl="0" algn="l">
-                        <a:spcBef>
-                          <a:spcPts val="0"/>
-                        </a:spcBef>
-                        <a:spcAft>
-                          <a:spcPts val="0"/>
-                        </a:spcAft>
-                        <a:buNone/>
-                      </a:pPr>
-                      <a:r>
-                        <a:t/>
-                      </a:r>
-                      <a:endParaRPr/>
+                      <a:endParaRPr sz="1100"/>
                     </a:p>
                   </a:txBody>
-                  <a:tcPr marT="91425" marB="91425" marR="91425" marL="91425"/>
+                  <a:tcPr marT="91425" marB="91425" marR="91425" marL="91425">
+                    <a:lnL cap="flat" cmpd="sng" w="9525">
+                      <a:solidFill>
+                        <a:schemeClr val="dk1"/>
+                      </a:solidFill>
+                      <a:prstDash val="solid"/>
+                      <a:round/>
+                      <a:headEnd len="sm" w="sm" type="none"/>
+                      <a:tailEnd len="sm" w="sm" type="none"/>
+                    </a:lnL>
+                    <a:lnR cap="flat" cmpd="sng" w="9525">
+                      <a:solidFill>
+                        <a:schemeClr val="dk1"/>
+                      </a:solidFill>
+                      <a:prstDash val="solid"/>
+                      <a:round/>
+                      <a:headEnd len="sm" w="sm" type="none"/>
+                      <a:tailEnd len="sm" w="sm" type="none"/>
+                    </a:lnR>
+                    <a:lnT cap="flat" cmpd="sng" w="9525">
+                      <a:solidFill>
+                        <a:schemeClr val="dk1"/>
+                      </a:solidFill>
+                      <a:prstDash val="solid"/>
+                      <a:round/>
+                      <a:headEnd len="sm" w="sm" type="none"/>
+                      <a:tailEnd len="sm" w="sm" type="none"/>
+                    </a:lnT>
+                    <a:lnB cap="flat" cmpd="sng" w="9525">
+                      <a:solidFill>
+                        <a:schemeClr val="dk1"/>
+                      </a:solidFill>
+                      <a:prstDash val="solid"/>
+                      <a:round/>
+                      <a:headEnd len="sm" w="sm" type="none"/>
+                      <a:tailEnd len="sm" w="sm" type="none"/>
+                    </a:lnB>
+                  </a:tcPr>
                 </a:tc>
                 <a:tc>
                   <a:txBody>
@@ -11993,7 +14422,7 @@
                         <a:buNone/>
                       </a:pPr>
                       <a:r>
-                        <a:rPr lang="it" sz="1000">
+                        <a:rPr lang="it" sz="1200">
                           <a:solidFill>
                             <a:srgbClr val="0000BF"/>
                           </a:solidFill>
@@ -12005,7 +14434,7 @@
                         <a:t>public class</a:t>
                       </a:r>
                       <a:r>
-                        <a:rPr lang="it" sz="1000">
+                        <a:rPr lang="it" sz="1200">
                           <a:solidFill>
                             <a:schemeClr val="lt2"/>
                           </a:solidFill>
@@ -12017,7 +14446,7 @@
                         <a:t> MyView </a:t>
                       </a:r>
                       <a:r>
-                        <a:rPr lang="it" sz="1000">
+                        <a:rPr lang="it" sz="1200">
                           <a:solidFill>
                             <a:srgbClr val="0000BF"/>
                           </a:solidFill>
@@ -12026,10 +14455,10 @@
                           <a:cs typeface="Courier New"/>
                           <a:sym typeface="Courier New"/>
                         </a:rPr>
-                        <a:t>implements</a:t>
+                        <a:t>extends</a:t>
                       </a:r>
                       <a:r>
-                        <a:rPr lang="it" sz="1000">
+                        <a:rPr lang="it" sz="1200">
                           <a:solidFill>
                             <a:schemeClr val="lt2"/>
                           </a:solidFill>
@@ -12040,7 +14469,7 @@
                         </a:rPr>
                         <a:t> JPanel {</a:t>
                       </a:r>
-                      <a:endParaRPr sz="1000">
+                      <a:endParaRPr sz="1200">
                         <a:solidFill>
                           <a:schemeClr val="lt2"/>
                         </a:solidFill>
@@ -12061,7 +14490,7 @@
                         <a:buNone/>
                       </a:pPr>
                       <a:r>
-                        <a:rPr lang="it" sz="1000">
+                        <a:rPr lang="it" sz="1200">
                           <a:solidFill>
                             <a:schemeClr val="lt2"/>
                           </a:solidFill>
@@ -12073,7 +14502,7 @@
                         <a:t>  </a:t>
                       </a:r>
                       <a:r>
-                        <a:rPr lang="it" sz="1000">
+                        <a:rPr lang="it" sz="1200">
                           <a:solidFill>
                             <a:srgbClr val="0000BF"/>
                           </a:solidFill>
@@ -12085,7 +14514,7 @@
                         <a:t>private</a:t>
                       </a:r>
                       <a:r>
-                        <a:rPr lang="it" sz="1000">
+                        <a:rPr lang="it" sz="1200">
                           <a:solidFill>
                             <a:schemeClr val="lt2"/>
                           </a:solidFill>
@@ -12096,7 +14525,7 @@
                         </a:rPr>
                         <a:t> MyController objController;</a:t>
                       </a:r>
-                      <a:endParaRPr sz="1000">
+                      <a:endParaRPr sz="1200">
                         <a:solidFill>
                           <a:schemeClr val="lt2"/>
                         </a:solidFill>
@@ -12119,7 +14548,7 @@
                       <a:r>
                         <a:t/>
                       </a:r>
-                      <a:endParaRPr sz="1000">
+                      <a:endParaRPr sz="1200">
                         <a:solidFill>
                           <a:schemeClr val="lt2"/>
                         </a:solidFill>
@@ -12140,7 +14569,7 @@
                         <a:buNone/>
                       </a:pPr>
                       <a:r>
-                        <a:rPr lang="it" sz="1000">
+                        <a:rPr lang="it" sz="1200">
                           <a:solidFill>
                             <a:schemeClr val="lt2"/>
                           </a:solidFill>
@@ -12152,7 +14581,7 @@
                         <a:t>  </a:t>
                       </a:r>
                       <a:r>
-                        <a:rPr lang="it" sz="1000">
+                        <a:rPr lang="it" sz="1200">
                           <a:solidFill>
                             <a:srgbClr val="0000BF"/>
                           </a:solidFill>
@@ -12164,7 +14593,7 @@
                         <a:t>public void</a:t>
                       </a:r>
                       <a:r>
-                        <a:rPr lang="it" sz="1000">
+                        <a:rPr lang="it" sz="1200">
                           <a:solidFill>
                             <a:schemeClr val="lt2"/>
                           </a:solidFill>
@@ -12175,7 +14604,7 @@
                         </a:rPr>
                         <a:t> setController(MyController obj){</a:t>
                       </a:r>
-                      <a:endParaRPr sz="1000">
+                      <a:endParaRPr sz="1200">
                         <a:solidFill>
                           <a:schemeClr val="lt2"/>
                         </a:solidFill>
@@ -12196,7 +14625,7 @@
                         <a:buNone/>
                       </a:pPr>
                       <a:r>
-                        <a:rPr lang="it" sz="1000">
+                        <a:rPr lang="it" sz="1200">
                           <a:solidFill>
                             <a:schemeClr val="lt2"/>
                           </a:solidFill>
@@ -12207,7 +14636,7 @@
                         </a:rPr>
                         <a:t>    objController = obj;</a:t>
                       </a:r>
-                      <a:endParaRPr sz="1000">
+                      <a:endParaRPr sz="1200">
                         <a:solidFill>
                           <a:schemeClr val="lt2"/>
                         </a:solidFill>
@@ -12228,7 +14657,7 @@
                         <a:buNone/>
                       </a:pPr>
                       <a:r>
-                        <a:rPr lang="it" sz="1000">
+                        <a:rPr lang="it" sz="1200">
                           <a:solidFill>
                             <a:schemeClr val="lt2"/>
                           </a:solidFill>
@@ -12239,7 +14668,7 @@
                         </a:rPr>
                         <a:t>    addListener(objController);</a:t>
                       </a:r>
-                      <a:endParaRPr sz="1000">
+                      <a:endParaRPr sz="1200">
                         <a:solidFill>
                           <a:schemeClr val="lt2"/>
                         </a:solidFill>
@@ -12260,7 +14689,7 @@
                         <a:buNone/>
                       </a:pPr>
                       <a:r>
-                        <a:rPr lang="it" sz="1000">
+                        <a:rPr lang="it" sz="1200">
                           <a:solidFill>
                             <a:schemeClr val="lt2"/>
                           </a:solidFill>
@@ -12271,7 +14700,7 @@
                         </a:rPr>
                         <a:t>  }</a:t>
                       </a:r>
-                      <a:endParaRPr sz="1000">
+                      <a:endParaRPr sz="1200">
                         <a:solidFill>
                           <a:schemeClr val="lt2"/>
                         </a:solidFill>
@@ -12294,7 +14723,7 @@
                       <a:r>
                         <a:t/>
                       </a:r>
-                      <a:endParaRPr sz="1000">
+                      <a:endParaRPr sz="1200">
                         <a:solidFill>
                           <a:schemeClr val="lt2"/>
                         </a:solidFill>
@@ -12315,7 +14744,7 @@
                         <a:buNone/>
                       </a:pPr>
                       <a:r>
-                        <a:rPr lang="it" sz="1000">
+                        <a:rPr lang="it" sz="1200">
                           <a:solidFill>
                             <a:schemeClr val="lt2"/>
                           </a:solidFill>
@@ -12327,7 +14756,7 @@
                         <a:t>  </a:t>
                       </a:r>
                       <a:r>
-                        <a:rPr lang="it" sz="1000">
+                        <a:rPr lang="it" sz="1200">
                           <a:solidFill>
                             <a:srgbClr val="0000BF"/>
                           </a:solidFill>
@@ -12339,7 +14768,7 @@
                         <a:t>public void</a:t>
                       </a:r>
                       <a:r>
-                        <a:rPr lang="it" sz="1000">
+                        <a:rPr lang="it" sz="1200">
                           <a:solidFill>
                             <a:schemeClr val="lt2"/>
                           </a:solidFill>
@@ -12350,7 +14779,7 @@
                         </a:rPr>
                         <a:t> paint() {</a:t>
                       </a:r>
-                      <a:endParaRPr sz="1000">
+                      <a:endParaRPr sz="1200">
                         <a:solidFill>
                           <a:schemeClr val="lt2"/>
                         </a:solidFill>
@@ -12371,7 +14800,7 @@
                         <a:buNone/>
                       </a:pPr>
                       <a:r>
-                        <a:rPr lang="it" sz="1000">
+                        <a:rPr lang="it" sz="1200">
                           <a:solidFill>
                             <a:schemeClr val="lt2"/>
                           </a:solidFill>
@@ -12382,7 +14811,7 @@
                         </a:rPr>
                         <a:t>    MyModel model = objController.getModel();</a:t>
                       </a:r>
-                      <a:endParaRPr sz="1000">
+                      <a:endParaRPr sz="1200">
                         <a:solidFill>
                           <a:schemeClr val="lt2"/>
                         </a:solidFill>
@@ -12403,7 +14832,7 @@
                         <a:buNone/>
                       </a:pPr>
                       <a:r>
-                        <a:rPr lang="it" sz="1000">
+                        <a:rPr lang="it" sz="1200">
                           <a:solidFill>
                             <a:schemeClr val="lt2"/>
                           </a:solidFill>
@@ -12412,9 +14841,53 @@
                           <a:cs typeface="Courier New"/>
                           <a:sym typeface="Courier New"/>
                         </a:rPr>
-                        <a:t>    //paint content according to model</a:t>
+                        <a:t>    </a:t>
                       </a:r>
-                      <a:endParaRPr sz="1000">
+                      <a:r>
+                        <a:rPr lang="it" sz="1200">
+                          <a:solidFill>
+                            <a:srgbClr val="1EB540"/>
+                          </a:solidFill>
+                          <a:latin typeface="Courier New"/>
+                          <a:ea typeface="Courier New"/>
+                          <a:cs typeface="Courier New"/>
+                          <a:sym typeface="Courier New"/>
+                        </a:rPr>
+                        <a:t>//paint content according to model</a:t>
+                      </a:r>
+                      <a:endParaRPr sz="1200">
+                        <a:solidFill>
+                          <a:srgbClr val="1EB540"/>
+                        </a:solidFill>
+                        <a:latin typeface="Courier New"/>
+                        <a:ea typeface="Courier New"/>
+                        <a:cs typeface="Courier New"/>
+                        <a:sym typeface="Courier New"/>
+                      </a:endParaRPr>
+                    </a:p>
+                    <a:p>
+                      <a:pPr indent="0" lvl="0" marL="0" rtl="0" algn="l">
+                        <a:spcBef>
+                          <a:spcPts val="0"/>
+                        </a:spcBef>
+                        <a:spcAft>
+                          <a:spcPts val="0"/>
+                        </a:spcAft>
+                        <a:buNone/>
+                      </a:pPr>
+                      <a:r>
+                        <a:rPr lang="it" sz="1200">
+                          <a:solidFill>
+                            <a:schemeClr val="lt2"/>
+                          </a:solidFill>
+                          <a:latin typeface="Courier New"/>
+                          <a:ea typeface="Courier New"/>
+                          <a:cs typeface="Courier New"/>
+                          <a:sym typeface="Courier New"/>
+                        </a:rPr>
+                        <a:t>  }</a:t>
+                      </a:r>
+                      <a:endParaRPr sz="1200">
                         <a:solidFill>
                           <a:schemeClr val="lt2"/>
                         </a:solidFill>
@@ -12435,39 +14908,7 @@
                         <a:buNone/>
                       </a:pPr>
                       <a:r>
-                        <a:rPr lang="it" sz="1000">
-                          <a:solidFill>
-                            <a:schemeClr val="lt2"/>
-                          </a:solidFill>
-                          <a:latin typeface="Courier New"/>
-                          <a:ea typeface="Courier New"/>
-                          <a:cs typeface="Courier New"/>
-                          <a:sym typeface="Courier New"/>
-                        </a:rPr>
-                        <a:t>  }</a:t>
-                      </a:r>
-                      <a:endParaRPr sz="1000">
-                        <a:solidFill>
-                          <a:schemeClr val="lt2"/>
-                        </a:solidFill>
-                        <a:latin typeface="Courier New"/>
-                        <a:ea typeface="Courier New"/>
-                        <a:cs typeface="Courier New"/>
-                        <a:sym typeface="Courier New"/>
-                      </a:endParaRPr>
-                    </a:p>
-                    <a:p>
-                      <a:pPr indent="0" lvl="0" marL="0" rtl="0" algn="l">
-                        <a:spcBef>
-                          <a:spcPts val="0"/>
-                        </a:spcBef>
-                        <a:spcAft>
-                          <a:spcPts val="0"/>
-                        </a:spcAft>
-                        <a:buNone/>
-                      </a:pPr>
-                      <a:r>
-                        <a:rPr lang="it" sz="1000">
+                        <a:rPr lang="it" sz="1200">
                           <a:solidFill>
                             <a:schemeClr val="lt2"/>
                           </a:solidFill>
@@ -12478,10 +14919,47 @@
                         </a:rPr>
                         <a:t>}</a:t>
                       </a:r>
-                      <a:endParaRPr/>
+                      <a:endParaRPr sz="1200"/>
                     </a:p>
                   </a:txBody>
-                  <a:tcPr marT="91425" marB="91425" marR="91425" marL="91425"/>
+                  <a:tcPr marT="91425" marB="91425" marR="91425" marL="91425">
+                    <a:lnL cap="flat" cmpd="sng" w="9525">
+                      <a:solidFill>
+                        <a:schemeClr val="dk1"/>
+                      </a:solidFill>
+                      <a:prstDash val="solid"/>
+                      <a:round/>
+                      <a:headEnd len="sm" w="sm" type="none"/>
+                      <a:tailEnd len="sm" w="sm" type="none"/>
+                    </a:lnL>
+                    <a:lnR cap="flat" cmpd="sng" w="9525">
+                      <a:solidFill>
+                        <a:schemeClr val="dk1"/>
+                      </a:solidFill>
+                      <a:prstDash val="solid"/>
+                      <a:round/>
+                      <a:headEnd len="sm" w="sm" type="none"/>
+                      <a:tailEnd len="sm" w="sm" type="none"/>
+                    </a:lnR>
+                    <a:lnT cap="flat" cmpd="sng" w="9525">
+                      <a:solidFill>
+                        <a:schemeClr val="dk1"/>
+                      </a:solidFill>
+                      <a:prstDash val="solid"/>
+                      <a:round/>
+                      <a:headEnd len="sm" w="sm" type="none"/>
+                      <a:tailEnd len="sm" w="sm" type="none"/>
+                    </a:lnT>
+                    <a:lnB cap="flat" cmpd="sng" w="9525">
+                      <a:solidFill>
+                        <a:schemeClr val="dk1"/>
+                      </a:solidFill>
+                      <a:prstDash val="solid"/>
+                      <a:round/>
+                      <a:headEnd len="sm" w="sm" type="none"/>
+                      <a:tailEnd len="sm" w="sm" type="none"/>
+                    </a:lnB>
+                  </a:tcPr>
                 </a:tc>
               </a:tr>
             </a:tbl>
@@ -12493,6 +14971,1237 @@
   <p:clrMapOvr>
     <a:masterClrMapping/>
   </p:clrMapOvr>
+</p:sld>
+</file>
+
+<file path=ppt/slides/slide8.xml><?xml version="1.0" encoding="utf-8"?>
+<p:sld xmlns:a="http://schemas.openxmlformats.org/drawingml/2006/main" xmlns:r="http://schemas.openxmlformats.org/officeDocument/2006/relationships" xmlns:mc="http://schemas.openxmlformats.org/markup-compatibility/2006" xmlns:mv="urn:schemas-microsoft-com:mac:vml" xmlns:p="http://schemas.openxmlformats.org/presentationml/2006/main" xmlns:c="http://schemas.openxmlformats.org/drawingml/2006/chart" xmlns:dgm="http://schemas.openxmlformats.org/drawingml/2006/diagram" xmlns:o="urn:schemas-microsoft-com:office:office" xmlns:v="urn:schemas-microsoft-com:vml" xmlns:pvml="urn:schemas-microsoft-com:office:powerpoint" xmlns:com="http://schemas.openxmlformats.org/drawingml/2006/compatibility" xmlns:p14="http://schemas.microsoft.com/office/powerpoint/2010/main" xmlns:p15="http://schemas.microsoft.com/office/powerpoint/2012/main" xmlns:ahyp="http://schemas.microsoft.com/office/drawing/2018/hyperlinkcolor">
+  <p:cSld>
+    <p:spTree>
+      <p:nvGrpSpPr>
+        <p:cNvPr id="137" name="Shape 137"/>
+        <p:cNvGrpSpPr/>
+        <p:nvPr/>
+      </p:nvGrpSpPr>
+      <p:grpSpPr>
+        <a:xfrm>
+          <a:off x="0" y="0"/>
+          <a:ext cx="0" cy="0"/>
+          <a:chOff x="0" y="0"/>
+          <a:chExt cx="0" cy="0"/>
+        </a:xfrm>
+      </p:grpSpPr>
+      <p:sp>
+        <p:nvSpPr>
+          <p:cNvPr id="138" name="Google Shape;138;p20"/>
+          <p:cNvSpPr txBox="1"/>
+          <p:nvPr>
+            <p:ph type="title"/>
+          </p:nvPr>
+        </p:nvSpPr>
+        <p:spPr>
+          <a:xfrm>
+            <a:off x="460950" y="2065350"/>
+            <a:ext cx="8222100" cy="1012800"/>
+          </a:xfrm>
+          <a:prstGeom prst="rect">
+            <a:avLst/>
+          </a:prstGeom>
+        </p:spPr>
+        <p:txBody>
+          <a:bodyPr anchorCtr="0" anchor="ctr" bIns="91425" lIns="91425" spcFirstLastPara="1" rIns="91425" wrap="square" tIns="91425">
+            <a:noAutofit/>
+          </a:bodyPr>
+          <a:lstStyle/>
+          <a:p>
+            <a:pPr indent="0" lvl="0" marL="0" rtl="0" algn="l">
+              <a:spcBef>
+                <a:spcPts val="0"/>
+              </a:spcBef>
+              <a:spcAft>
+                <a:spcPts val="0"/>
+              </a:spcAft>
+              <a:buNone/>
+            </a:pPr>
+            <a:r>
+              <a:rPr lang="it"/>
+              <a:t>Classi Singleton</a:t>
+            </a:r>
+            <a:endParaRPr/>
+          </a:p>
+        </p:txBody>
+      </p:sp>
+    </p:spTree>
+  </p:cSld>
+  <p:clrMapOvr>
+    <a:masterClrMapping/>
+  </p:clrMapOvr>
+</p:sld>
+</file>
+
+<file path=ppt/slides/slide9.xml><?xml version="1.0" encoding="utf-8"?>
+<p:sld xmlns:a="http://schemas.openxmlformats.org/drawingml/2006/main" xmlns:r="http://schemas.openxmlformats.org/officeDocument/2006/relationships" xmlns:mc="http://schemas.openxmlformats.org/markup-compatibility/2006" xmlns:mv="urn:schemas-microsoft-com:mac:vml" xmlns:p="http://schemas.openxmlformats.org/presentationml/2006/main" xmlns:c="http://schemas.openxmlformats.org/drawingml/2006/chart" xmlns:dgm="http://schemas.openxmlformats.org/drawingml/2006/diagram" xmlns:o="urn:schemas-microsoft-com:office:office" xmlns:v="urn:schemas-microsoft-com:vml" xmlns:pvml="urn:schemas-microsoft-com:office:powerpoint" xmlns:com="http://schemas.openxmlformats.org/drawingml/2006/compatibility" xmlns:p14="http://schemas.microsoft.com/office/powerpoint/2010/main" xmlns:p15="http://schemas.microsoft.com/office/powerpoint/2012/main" xmlns:ahyp="http://schemas.microsoft.com/office/drawing/2018/hyperlinkcolor">
+  <p:cSld>
+    <p:spTree>
+      <p:nvGrpSpPr>
+        <p:cNvPr id="142" name="Shape 142"/>
+        <p:cNvGrpSpPr/>
+        <p:nvPr/>
+      </p:nvGrpSpPr>
+      <p:grpSpPr>
+        <a:xfrm>
+          <a:off x="0" y="0"/>
+          <a:ext cx="0" cy="0"/>
+          <a:chOff x="0" y="0"/>
+          <a:chExt cx="0" cy="0"/>
+        </a:xfrm>
+      </p:grpSpPr>
+      <p:sp>
+        <p:nvSpPr>
+          <p:cNvPr id="143" name="Google Shape;143;p21"/>
+          <p:cNvSpPr txBox="1"/>
+          <p:nvPr>
+            <p:ph type="title"/>
+          </p:nvPr>
+        </p:nvSpPr>
+        <p:spPr>
+          <a:xfrm>
+            <a:off x="471900" y="738725"/>
+            <a:ext cx="8222100" cy="767700"/>
+          </a:xfrm>
+          <a:prstGeom prst="rect">
+            <a:avLst/>
+          </a:prstGeom>
+        </p:spPr>
+        <p:txBody>
+          <a:bodyPr anchorCtr="0" anchor="b" bIns="91425" lIns="91425" spcFirstLastPara="1" rIns="91425" wrap="square" tIns="91425">
+            <a:noAutofit/>
+          </a:bodyPr>
+          <a:lstStyle/>
+          <a:p>
+            <a:pPr indent="0" lvl="0" marL="0" rtl="0" algn="l">
+              <a:spcBef>
+                <a:spcPts val="0"/>
+              </a:spcBef>
+              <a:spcAft>
+                <a:spcPts val="0"/>
+              </a:spcAft>
+              <a:buNone/>
+            </a:pPr>
+            <a:r>
+              <a:rPr lang="it"/>
+              <a:t>Classi Singleton</a:t>
+            </a:r>
+            <a:endParaRPr baseline="-25000">
+              <a:latin typeface="Courier New"/>
+              <a:ea typeface="Courier New"/>
+              <a:cs typeface="Courier New"/>
+              <a:sym typeface="Courier New"/>
+            </a:endParaRPr>
+          </a:p>
+        </p:txBody>
+      </p:sp>
+      <p:sp>
+        <p:nvSpPr>
+          <p:cNvPr id="144" name="Google Shape;144;p21"/>
+          <p:cNvSpPr txBox="1"/>
+          <p:nvPr/>
+        </p:nvSpPr>
+        <p:spPr>
+          <a:xfrm>
+            <a:off x="138225" y="1726500"/>
+            <a:ext cx="8895600" cy="3417000"/>
+          </a:xfrm>
+          <a:prstGeom prst="rect">
+            <a:avLst/>
+          </a:prstGeom>
+          <a:noFill/>
+          <a:ln>
+            <a:noFill/>
+          </a:ln>
+        </p:spPr>
+        <p:txBody>
+          <a:bodyPr anchorCtr="0" anchor="t" bIns="91425" lIns="91425" spcFirstLastPara="1" rIns="91425" wrap="square" tIns="91425">
+            <a:spAutoFit/>
+          </a:bodyPr>
+          <a:lstStyle/>
+          <a:p>
+            <a:pPr indent="0" lvl="0" marL="0" rtl="0" algn="l">
+              <a:spcBef>
+                <a:spcPts val="0"/>
+              </a:spcBef>
+              <a:spcAft>
+                <a:spcPts val="0"/>
+              </a:spcAft>
+              <a:buNone/>
+            </a:pPr>
+            <a:r>
+              <a:rPr lang="it">
+                <a:solidFill>
+                  <a:schemeClr val="lt2"/>
+                </a:solidFill>
+                <a:latin typeface="Roboto"/>
+                <a:ea typeface="Roboto"/>
+                <a:cs typeface="Roboto"/>
+                <a:sym typeface="Roboto"/>
+              </a:rPr>
+              <a:t>Sebbene non sia direttamente collegato alle interfacce grafiche, nelle prossime lezioni/esercitazioni, incontreremo e useremo il concetto di classe singleton.</a:t>
+            </a:r>
+            <a:endParaRPr>
+              <a:solidFill>
+                <a:schemeClr val="lt2"/>
+              </a:solidFill>
+              <a:latin typeface="Roboto"/>
+              <a:ea typeface="Roboto"/>
+              <a:cs typeface="Roboto"/>
+              <a:sym typeface="Roboto"/>
+            </a:endParaRPr>
+          </a:p>
+          <a:p>
+            <a:pPr indent="0" lvl="0" marL="0" rtl="0" algn="l">
+              <a:spcBef>
+                <a:spcPts val="0"/>
+              </a:spcBef>
+              <a:spcAft>
+                <a:spcPts val="0"/>
+              </a:spcAft>
+              <a:buNone/>
+            </a:pPr>
+            <a:r>
+              <a:t/>
+            </a:r>
+            <a:endParaRPr>
+              <a:solidFill>
+                <a:schemeClr val="lt2"/>
+              </a:solidFill>
+              <a:latin typeface="Roboto"/>
+              <a:ea typeface="Roboto"/>
+              <a:cs typeface="Roboto"/>
+              <a:sym typeface="Roboto"/>
+            </a:endParaRPr>
+          </a:p>
+          <a:p>
+            <a:pPr indent="0" lvl="0" marL="0" rtl="0" algn="l">
+              <a:spcBef>
+                <a:spcPts val="0"/>
+              </a:spcBef>
+              <a:spcAft>
+                <a:spcPts val="0"/>
+              </a:spcAft>
+              <a:buNone/>
+            </a:pPr>
+            <a:r>
+              <a:rPr lang="it">
+                <a:solidFill>
+                  <a:schemeClr val="lt2"/>
+                </a:solidFill>
+                <a:latin typeface="Roboto"/>
+                <a:ea typeface="Roboto"/>
+                <a:cs typeface="Roboto"/>
+                <a:sym typeface="Roboto"/>
+              </a:rPr>
+              <a:t>Una classe singleton è una classe di cui esiste </a:t>
+            </a:r>
+            <a:r>
+              <a:rPr lang="it">
+                <a:solidFill>
+                  <a:schemeClr val="accent3"/>
+                </a:solidFill>
+                <a:latin typeface="Roboto"/>
+                <a:ea typeface="Roboto"/>
+                <a:cs typeface="Roboto"/>
+                <a:sym typeface="Roboto"/>
+              </a:rPr>
+              <a:t>una sola</a:t>
+            </a:r>
+            <a:r>
+              <a:rPr lang="it">
+                <a:solidFill>
+                  <a:schemeClr val="lt2"/>
+                </a:solidFill>
+                <a:latin typeface="Roboto"/>
+                <a:ea typeface="Roboto"/>
+                <a:cs typeface="Roboto"/>
+                <a:sym typeface="Roboto"/>
+              </a:rPr>
+              <a:t> istanza (cioè esiste un solo oggetto di quella classe). Le classi singleton sono molto utili nel caso in cui si voglia controllare l’accesso a una risorsa, ad esempio una connessione di un database oppure nel caso del logging.</a:t>
+            </a:r>
+            <a:endParaRPr>
+              <a:solidFill>
+                <a:schemeClr val="lt2"/>
+              </a:solidFill>
+              <a:latin typeface="Roboto"/>
+              <a:ea typeface="Roboto"/>
+              <a:cs typeface="Roboto"/>
+              <a:sym typeface="Roboto"/>
+            </a:endParaRPr>
+          </a:p>
+          <a:p>
+            <a:pPr indent="0" lvl="0" marL="0" rtl="0" algn="l">
+              <a:spcBef>
+                <a:spcPts val="0"/>
+              </a:spcBef>
+              <a:spcAft>
+                <a:spcPts val="0"/>
+              </a:spcAft>
+              <a:buNone/>
+            </a:pPr>
+            <a:r>
+              <a:t/>
+            </a:r>
+            <a:endParaRPr>
+              <a:solidFill>
+                <a:schemeClr val="lt2"/>
+              </a:solidFill>
+              <a:latin typeface="Roboto"/>
+              <a:ea typeface="Roboto"/>
+              <a:cs typeface="Roboto"/>
+              <a:sym typeface="Roboto"/>
+            </a:endParaRPr>
+          </a:p>
+          <a:p>
+            <a:pPr indent="0" lvl="0" marL="0" rtl="0" algn="l">
+              <a:spcBef>
+                <a:spcPts val="0"/>
+              </a:spcBef>
+              <a:spcAft>
+                <a:spcPts val="0"/>
+              </a:spcAft>
+              <a:buNone/>
+            </a:pPr>
+            <a:r>
+              <a:rPr lang="it">
+                <a:solidFill>
+                  <a:schemeClr val="lt2"/>
+                </a:solidFill>
+                <a:latin typeface="Roboto"/>
+                <a:ea typeface="Roboto"/>
+                <a:cs typeface="Roboto"/>
+                <a:sym typeface="Roboto"/>
+              </a:rPr>
+              <a:t>Per realizzare una classe singleton è necessario seguire delle semplici regole:</a:t>
+            </a:r>
+            <a:endParaRPr>
+              <a:solidFill>
+                <a:schemeClr val="lt2"/>
+              </a:solidFill>
+              <a:latin typeface="Roboto"/>
+              <a:ea typeface="Roboto"/>
+              <a:cs typeface="Roboto"/>
+              <a:sym typeface="Roboto"/>
+            </a:endParaRPr>
+          </a:p>
+          <a:p>
+            <a:pPr indent="-317500" lvl="0" marL="457200" rtl="0" algn="l">
+              <a:spcBef>
+                <a:spcPts val="0"/>
+              </a:spcBef>
+              <a:spcAft>
+                <a:spcPts val="0"/>
+              </a:spcAft>
+              <a:buClr>
+                <a:schemeClr val="lt2"/>
+              </a:buClr>
+              <a:buSzPts val="1400"/>
+              <a:buFont typeface="Roboto"/>
+              <a:buChar char="●"/>
+            </a:pPr>
+            <a:r>
+              <a:rPr lang="it">
+                <a:solidFill>
+                  <a:schemeClr val="lt2"/>
+                </a:solidFill>
+                <a:latin typeface="Roboto"/>
+                <a:ea typeface="Roboto"/>
+                <a:cs typeface="Roboto"/>
+                <a:sym typeface="Roboto"/>
+              </a:rPr>
+              <a:t>Rendere i costruttori della classe privati. Tipicamente in una classe singleton c’è solo un costruttore senza parametri.</a:t>
+            </a:r>
+            <a:endParaRPr>
+              <a:solidFill>
+                <a:schemeClr val="lt2"/>
+              </a:solidFill>
+              <a:latin typeface="Roboto"/>
+              <a:ea typeface="Roboto"/>
+              <a:cs typeface="Roboto"/>
+              <a:sym typeface="Roboto"/>
+            </a:endParaRPr>
+          </a:p>
+          <a:p>
+            <a:pPr indent="-317500" lvl="0" marL="457200" rtl="0" algn="l">
+              <a:spcBef>
+                <a:spcPts val="0"/>
+              </a:spcBef>
+              <a:spcAft>
+                <a:spcPts val="0"/>
+              </a:spcAft>
+              <a:buClr>
+                <a:schemeClr val="lt2"/>
+              </a:buClr>
+              <a:buSzPts val="1400"/>
+              <a:buFont typeface="Roboto"/>
+              <a:buChar char="●"/>
+            </a:pPr>
+            <a:r>
+              <a:rPr lang="it">
+                <a:solidFill>
+                  <a:schemeClr val="lt2"/>
+                </a:solidFill>
+                <a:latin typeface="Roboto"/>
+                <a:ea typeface="Roboto"/>
+                <a:cs typeface="Roboto"/>
+                <a:sym typeface="Roboto"/>
+              </a:rPr>
+              <a:t>Scrivere un metodo statico che restituisce un’istanza della classe.</a:t>
+            </a:r>
+            <a:endParaRPr>
+              <a:solidFill>
+                <a:schemeClr val="lt2"/>
+              </a:solidFill>
+              <a:latin typeface="Roboto"/>
+              <a:ea typeface="Roboto"/>
+              <a:cs typeface="Roboto"/>
+              <a:sym typeface="Roboto"/>
+            </a:endParaRPr>
+          </a:p>
+          <a:p>
+            <a:pPr indent="0" lvl="0" marL="0" rtl="0" algn="l">
+              <a:spcBef>
+                <a:spcPts val="0"/>
+              </a:spcBef>
+              <a:spcAft>
+                <a:spcPts val="0"/>
+              </a:spcAft>
+              <a:buNone/>
+            </a:pPr>
+            <a:r>
+              <a:t/>
+            </a:r>
+            <a:endParaRPr>
+              <a:solidFill>
+                <a:schemeClr val="lt2"/>
+              </a:solidFill>
+              <a:latin typeface="Roboto"/>
+              <a:ea typeface="Roboto"/>
+              <a:cs typeface="Roboto"/>
+              <a:sym typeface="Roboto"/>
+            </a:endParaRPr>
+          </a:p>
+          <a:p>
+            <a:pPr indent="0" lvl="0" marL="0" rtl="0" algn="l">
+              <a:spcBef>
+                <a:spcPts val="0"/>
+              </a:spcBef>
+              <a:spcAft>
+                <a:spcPts val="0"/>
+              </a:spcAft>
+              <a:buNone/>
+            </a:pPr>
+            <a:r>
+              <a:rPr lang="it">
+                <a:solidFill>
+                  <a:schemeClr val="lt2"/>
+                </a:solidFill>
+                <a:latin typeface="Roboto"/>
+                <a:ea typeface="Roboto"/>
+                <a:cs typeface="Roboto"/>
+                <a:sym typeface="Roboto"/>
+              </a:rPr>
+              <a:t>Ci sono due modi per implementare una classe singleton:</a:t>
+            </a:r>
+            <a:endParaRPr>
+              <a:solidFill>
+                <a:schemeClr val="lt2"/>
+              </a:solidFill>
+              <a:latin typeface="Roboto"/>
+              <a:ea typeface="Roboto"/>
+              <a:cs typeface="Roboto"/>
+              <a:sym typeface="Roboto"/>
+            </a:endParaRPr>
+          </a:p>
+          <a:p>
+            <a:pPr indent="-317500" lvl="0" marL="457200" rtl="0" algn="l">
+              <a:spcBef>
+                <a:spcPts val="0"/>
+              </a:spcBef>
+              <a:spcAft>
+                <a:spcPts val="0"/>
+              </a:spcAft>
+              <a:buClr>
+                <a:schemeClr val="lt2"/>
+              </a:buClr>
+              <a:buSzPts val="1400"/>
+              <a:buFont typeface="Roboto"/>
+              <a:buChar char="●"/>
+            </a:pPr>
+            <a:r>
+              <a:rPr lang="it">
+                <a:solidFill>
+                  <a:schemeClr val="lt2"/>
+                </a:solidFill>
+                <a:latin typeface="Roboto"/>
+                <a:ea typeface="Roboto"/>
+                <a:cs typeface="Roboto"/>
+                <a:sym typeface="Roboto"/>
+              </a:rPr>
+              <a:t>Early Instantiation: la creazione dell’oggetto avviene in fase di caricamento della classe.</a:t>
+            </a:r>
+            <a:endParaRPr>
+              <a:solidFill>
+                <a:schemeClr val="lt2"/>
+              </a:solidFill>
+              <a:latin typeface="Roboto"/>
+              <a:ea typeface="Roboto"/>
+              <a:cs typeface="Roboto"/>
+              <a:sym typeface="Roboto"/>
+            </a:endParaRPr>
+          </a:p>
+          <a:p>
+            <a:pPr indent="-317500" lvl="0" marL="457200" rtl="0" algn="l">
+              <a:spcBef>
+                <a:spcPts val="0"/>
+              </a:spcBef>
+              <a:spcAft>
+                <a:spcPts val="0"/>
+              </a:spcAft>
+              <a:buClr>
+                <a:schemeClr val="lt2"/>
+              </a:buClr>
+              <a:buSzPts val="1400"/>
+              <a:buFont typeface="Roboto"/>
+              <a:buChar char="●"/>
+            </a:pPr>
+            <a:r>
+              <a:rPr lang="it">
+                <a:solidFill>
+                  <a:schemeClr val="lt2"/>
+                </a:solidFill>
+                <a:latin typeface="Roboto"/>
+                <a:ea typeface="Roboto"/>
+                <a:cs typeface="Roboto"/>
+                <a:sym typeface="Roboto"/>
+              </a:rPr>
+              <a:t>Lazy Instantiation: la creazione dell’oggetto avviene al primo utilizzo.</a:t>
+            </a:r>
+            <a:endParaRPr>
+              <a:solidFill>
+                <a:schemeClr val="lt2"/>
+              </a:solidFill>
+              <a:latin typeface="Roboto"/>
+              <a:ea typeface="Roboto"/>
+              <a:cs typeface="Roboto"/>
+              <a:sym typeface="Roboto"/>
+            </a:endParaRPr>
+          </a:p>
+        </p:txBody>
+      </p:sp>
+    </p:spTree>
+  </p:cSld>
+  <p:clrMapOvr>
+    <a:masterClrMapping/>
+  </p:clrMapOvr>
+  <p:timing>
+    <p:tnLst>
+      <p:par>
+        <p:cTn dur="indefinite" nodeType="tmRoot" restart="never">
+          <p:childTnLst>
+            <p:seq concurrent="1" nextAc="seek">
+              <p:cTn dur="indefinite" id="2" nodeType="mainSeq">
+                <p:childTnLst>
+                  <p:par>
+                    <p:cTn fill="hold">
+                      <p:stCondLst>
+                        <p:cond delay="indefinite"/>
+                      </p:stCondLst>
+                      <p:childTnLst>
+                        <p:par>
+                          <p:cTn fill="hold">
+                            <p:stCondLst>
+                              <p:cond delay="0"/>
+                            </p:stCondLst>
+                            <p:childTnLst>
+                              <p:par>
+                                <p:cTn fill="hold" nodeType="clickEffect" presetClass="entr" presetID="10" presetSubtype="0">
+                                  <p:stCondLst>
+                                    <p:cond delay="0"/>
+                                  </p:stCondLst>
+                                  <p:childTnLst>
+                                    <p:set>
+                                      <p:cBhvr>
+                                        <p:cTn dur="1" fill="hold">
+                                          <p:stCondLst>
+                                            <p:cond delay="0"/>
+                                          </p:stCondLst>
+                                        </p:cTn>
+                                        <p:tgtEl>
+                                          <p:spTgt spid="144">
+                                            <p:txEl>
+                                              <p:pRg end="0" st="0"/>
+                                            </p:txEl>
+                                          </p:spTgt>
+                                        </p:tgtEl>
+                                        <p:attrNameLst>
+                                          <p:attrName>style.visibility</p:attrName>
+                                        </p:attrNameLst>
+                                      </p:cBhvr>
+                                      <p:to>
+                                        <p:strVal val="visible"/>
+                                      </p:to>
+                                    </p:set>
+                                    <p:animEffect filter="fade" transition="in">
+                                      <p:cBhvr>
+                                        <p:cTn dur="1000"/>
+                                        <p:tgtEl>
+                                          <p:spTgt spid="144">
+                                            <p:txEl>
+                                              <p:pRg end="0" st="0"/>
+                                            </p:txEl>
+                                          </p:spTgt>
+                                        </p:tgtEl>
+                                      </p:cBhvr>
+                                    </p:animEffect>
+                                  </p:childTnLst>
+                                </p:cTn>
+                              </p:par>
+                            </p:childTnLst>
+                          </p:cTn>
+                        </p:par>
+                      </p:childTnLst>
+                    </p:cTn>
+                  </p:par>
+                  <p:par>
+                    <p:cTn fill="hold">
+                      <p:stCondLst>
+                        <p:cond delay="indefinite"/>
+                      </p:stCondLst>
+                      <p:childTnLst>
+                        <p:par>
+                          <p:cTn fill="hold">
+                            <p:stCondLst>
+                              <p:cond delay="0"/>
+                            </p:stCondLst>
+                            <p:childTnLst>
+                              <p:par>
+                                <p:cTn fill="hold" nodeType="clickEffect" presetClass="entr" presetID="10" presetSubtype="0">
+                                  <p:stCondLst>
+                                    <p:cond delay="0"/>
+                                  </p:stCondLst>
+                                  <p:childTnLst>
+                                    <p:set>
+                                      <p:cBhvr>
+                                        <p:cTn dur="1" fill="hold">
+                                          <p:stCondLst>
+                                            <p:cond delay="0"/>
+                                          </p:stCondLst>
+                                        </p:cTn>
+                                        <p:tgtEl>
+                                          <p:spTgt spid="144">
+                                            <p:txEl>
+                                              <p:pRg end="1" st="1"/>
+                                            </p:txEl>
+                                          </p:spTgt>
+                                        </p:tgtEl>
+                                        <p:attrNameLst>
+                                          <p:attrName>style.visibility</p:attrName>
+                                        </p:attrNameLst>
+                                      </p:cBhvr>
+                                      <p:to>
+                                        <p:strVal val="visible"/>
+                                      </p:to>
+                                    </p:set>
+                                    <p:animEffect filter="fade" transition="in">
+                                      <p:cBhvr>
+                                        <p:cTn dur="1000"/>
+                                        <p:tgtEl>
+                                          <p:spTgt spid="144">
+                                            <p:txEl>
+                                              <p:pRg end="1" st="1"/>
+                                            </p:txEl>
+                                          </p:spTgt>
+                                        </p:tgtEl>
+                                      </p:cBhvr>
+                                    </p:animEffect>
+                                  </p:childTnLst>
+                                </p:cTn>
+                              </p:par>
+                            </p:childTnLst>
+                          </p:cTn>
+                        </p:par>
+                      </p:childTnLst>
+                    </p:cTn>
+                  </p:par>
+                  <p:par>
+                    <p:cTn fill="hold">
+                      <p:stCondLst>
+                        <p:cond delay="indefinite"/>
+                      </p:stCondLst>
+                      <p:childTnLst>
+                        <p:par>
+                          <p:cTn fill="hold">
+                            <p:stCondLst>
+                              <p:cond delay="0"/>
+                            </p:stCondLst>
+                            <p:childTnLst>
+                              <p:par>
+                                <p:cTn fill="hold" nodeType="clickEffect" presetClass="entr" presetID="10" presetSubtype="0">
+                                  <p:stCondLst>
+                                    <p:cond delay="0"/>
+                                  </p:stCondLst>
+                                  <p:childTnLst>
+                                    <p:set>
+                                      <p:cBhvr>
+                                        <p:cTn dur="1" fill="hold">
+                                          <p:stCondLst>
+                                            <p:cond delay="0"/>
+                                          </p:stCondLst>
+                                        </p:cTn>
+                                        <p:tgtEl>
+                                          <p:spTgt spid="144">
+                                            <p:txEl>
+                                              <p:pRg end="2" st="2"/>
+                                            </p:txEl>
+                                          </p:spTgt>
+                                        </p:tgtEl>
+                                        <p:attrNameLst>
+                                          <p:attrName>style.visibility</p:attrName>
+                                        </p:attrNameLst>
+                                      </p:cBhvr>
+                                      <p:to>
+                                        <p:strVal val="visible"/>
+                                      </p:to>
+                                    </p:set>
+                                    <p:animEffect filter="fade" transition="in">
+                                      <p:cBhvr>
+                                        <p:cTn dur="1000"/>
+                                        <p:tgtEl>
+                                          <p:spTgt spid="144">
+                                            <p:txEl>
+                                              <p:pRg end="2" st="2"/>
+                                            </p:txEl>
+                                          </p:spTgt>
+                                        </p:tgtEl>
+                                      </p:cBhvr>
+                                    </p:animEffect>
+                                  </p:childTnLst>
+                                </p:cTn>
+                              </p:par>
+                            </p:childTnLst>
+                          </p:cTn>
+                        </p:par>
+                      </p:childTnLst>
+                    </p:cTn>
+                  </p:par>
+                  <p:par>
+                    <p:cTn fill="hold">
+                      <p:stCondLst>
+                        <p:cond delay="indefinite"/>
+                      </p:stCondLst>
+                      <p:childTnLst>
+                        <p:par>
+                          <p:cTn fill="hold">
+                            <p:stCondLst>
+                              <p:cond delay="0"/>
+                            </p:stCondLst>
+                            <p:childTnLst>
+                              <p:par>
+                                <p:cTn fill="hold" nodeType="clickEffect" presetClass="entr" presetID="10" presetSubtype="0">
+                                  <p:stCondLst>
+                                    <p:cond delay="0"/>
+                                  </p:stCondLst>
+                                  <p:childTnLst>
+                                    <p:set>
+                                      <p:cBhvr>
+                                        <p:cTn dur="1" fill="hold">
+                                          <p:stCondLst>
+                                            <p:cond delay="0"/>
+                                          </p:stCondLst>
+                                        </p:cTn>
+                                        <p:tgtEl>
+                                          <p:spTgt spid="144">
+                                            <p:txEl>
+                                              <p:pRg end="3" st="3"/>
+                                            </p:txEl>
+                                          </p:spTgt>
+                                        </p:tgtEl>
+                                        <p:attrNameLst>
+                                          <p:attrName>style.visibility</p:attrName>
+                                        </p:attrNameLst>
+                                      </p:cBhvr>
+                                      <p:to>
+                                        <p:strVal val="visible"/>
+                                      </p:to>
+                                    </p:set>
+                                    <p:animEffect filter="fade" transition="in">
+                                      <p:cBhvr>
+                                        <p:cTn dur="1000"/>
+                                        <p:tgtEl>
+                                          <p:spTgt spid="144">
+                                            <p:txEl>
+                                              <p:pRg end="3" st="3"/>
+                                            </p:txEl>
+                                          </p:spTgt>
+                                        </p:tgtEl>
+                                      </p:cBhvr>
+                                    </p:animEffect>
+                                  </p:childTnLst>
+                                </p:cTn>
+                              </p:par>
+                            </p:childTnLst>
+                          </p:cTn>
+                        </p:par>
+                      </p:childTnLst>
+                    </p:cTn>
+                  </p:par>
+                  <p:par>
+                    <p:cTn fill="hold">
+                      <p:stCondLst>
+                        <p:cond delay="indefinite"/>
+                      </p:stCondLst>
+                      <p:childTnLst>
+                        <p:par>
+                          <p:cTn fill="hold">
+                            <p:stCondLst>
+                              <p:cond delay="0"/>
+                            </p:stCondLst>
+                            <p:childTnLst>
+                              <p:par>
+                                <p:cTn fill="hold" nodeType="clickEffect" presetClass="entr" presetID="10" presetSubtype="0">
+                                  <p:stCondLst>
+                                    <p:cond delay="0"/>
+                                  </p:stCondLst>
+                                  <p:childTnLst>
+                                    <p:set>
+                                      <p:cBhvr>
+                                        <p:cTn dur="1" fill="hold">
+                                          <p:stCondLst>
+                                            <p:cond delay="0"/>
+                                          </p:stCondLst>
+                                        </p:cTn>
+                                        <p:tgtEl>
+                                          <p:spTgt spid="144">
+                                            <p:txEl>
+                                              <p:pRg end="4" st="4"/>
+                                            </p:txEl>
+                                          </p:spTgt>
+                                        </p:tgtEl>
+                                        <p:attrNameLst>
+                                          <p:attrName>style.visibility</p:attrName>
+                                        </p:attrNameLst>
+                                      </p:cBhvr>
+                                      <p:to>
+                                        <p:strVal val="visible"/>
+                                      </p:to>
+                                    </p:set>
+                                    <p:animEffect filter="fade" transition="in">
+                                      <p:cBhvr>
+                                        <p:cTn dur="1000"/>
+                                        <p:tgtEl>
+                                          <p:spTgt spid="144">
+                                            <p:txEl>
+                                              <p:pRg end="4" st="4"/>
+                                            </p:txEl>
+                                          </p:spTgt>
+                                        </p:tgtEl>
+                                      </p:cBhvr>
+                                    </p:animEffect>
+                                  </p:childTnLst>
+                                </p:cTn>
+                              </p:par>
+                            </p:childTnLst>
+                          </p:cTn>
+                        </p:par>
+                      </p:childTnLst>
+                    </p:cTn>
+                  </p:par>
+                  <p:par>
+                    <p:cTn fill="hold">
+                      <p:stCondLst>
+                        <p:cond delay="indefinite"/>
+                      </p:stCondLst>
+                      <p:childTnLst>
+                        <p:par>
+                          <p:cTn fill="hold">
+                            <p:stCondLst>
+                              <p:cond delay="0"/>
+                            </p:stCondLst>
+                            <p:childTnLst>
+                              <p:par>
+                                <p:cTn fill="hold" nodeType="clickEffect" presetClass="entr" presetID="10" presetSubtype="0">
+                                  <p:stCondLst>
+                                    <p:cond delay="0"/>
+                                  </p:stCondLst>
+                                  <p:childTnLst>
+                                    <p:set>
+                                      <p:cBhvr>
+                                        <p:cTn dur="1" fill="hold">
+                                          <p:stCondLst>
+                                            <p:cond delay="0"/>
+                                          </p:stCondLst>
+                                        </p:cTn>
+                                        <p:tgtEl>
+                                          <p:spTgt spid="144">
+                                            <p:txEl>
+                                              <p:pRg end="5" st="5"/>
+                                            </p:txEl>
+                                          </p:spTgt>
+                                        </p:tgtEl>
+                                        <p:attrNameLst>
+                                          <p:attrName>style.visibility</p:attrName>
+                                        </p:attrNameLst>
+                                      </p:cBhvr>
+                                      <p:to>
+                                        <p:strVal val="visible"/>
+                                      </p:to>
+                                    </p:set>
+                                    <p:animEffect filter="fade" transition="in">
+                                      <p:cBhvr>
+                                        <p:cTn dur="1000"/>
+                                        <p:tgtEl>
+                                          <p:spTgt spid="144">
+                                            <p:txEl>
+                                              <p:pRg end="5" st="5"/>
+                                            </p:txEl>
+                                          </p:spTgt>
+                                        </p:tgtEl>
+                                      </p:cBhvr>
+                                    </p:animEffect>
+                                  </p:childTnLst>
+                                </p:cTn>
+                              </p:par>
+                            </p:childTnLst>
+                          </p:cTn>
+                        </p:par>
+                      </p:childTnLst>
+                    </p:cTn>
+                  </p:par>
+                  <p:par>
+                    <p:cTn fill="hold">
+                      <p:stCondLst>
+                        <p:cond delay="indefinite"/>
+                      </p:stCondLst>
+                      <p:childTnLst>
+                        <p:par>
+                          <p:cTn fill="hold">
+                            <p:stCondLst>
+                              <p:cond delay="0"/>
+                            </p:stCondLst>
+                            <p:childTnLst>
+                              <p:par>
+                                <p:cTn fill="hold" nodeType="clickEffect" presetClass="entr" presetID="10" presetSubtype="0">
+                                  <p:stCondLst>
+                                    <p:cond delay="0"/>
+                                  </p:stCondLst>
+                                  <p:childTnLst>
+                                    <p:set>
+                                      <p:cBhvr>
+                                        <p:cTn dur="1" fill="hold">
+                                          <p:stCondLst>
+                                            <p:cond delay="0"/>
+                                          </p:stCondLst>
+                                        </p:cTn>
+                                        <p:tgtEl>
+                                          <p:spTgt spid="144">
+                                            <p:txEl>
+                                              <p:pRg end="6" st="6"/>
+                                            </p:txEl>
+                                          </p:spTgt>
+                                        </p:tgtEl>
+                                        <p:attrNameLst>
+                                          <p:attrName>style.visibility</p:attrName>
+                                        </p:attrNameLst>
+                                      </p:cBhvr>
+                                      <p:to>
+                                        <p:strVal val="visible"/>
+                                      </p:to>
+                                    </p:set>
+                                    <p:animEffect filter="fade" transition="in">
+                                      <p:cBhvr>
+                                        <p:cTn dur="1000"/>
+                                        <p:tgtEl>
+                                          <p:spTgt spid="144">
+                                            <p:txEl>
+                                              <p:pRg end="6" st="6"/>
+                                            </p:txEl>
+                                          </p:spTgt>
+                                        </p:tgtEl>
+                                      </p:cBhvr>
+                                    </p:animEffect>
+                                  </p:childTnLst>
+                                </p:cTn>
+                              </p:par>
+                            </p:childTnLst>
+                          </p:cTn>
+                        </p:par>
+                      </p:childTnLst>
+                    </p:cTn>
+                  </p:par>
+                  <p:par>
+                    <p:cTn fill="hold">
+                      <p:stCondLst>
+                        <p:cond delay="indefinite"/>
+                      </p:stCondLst>
+                      <p:childTnLst>
+                        <p:par>
+                          <p:cTn fill="hold">
+                            <p:stCondLst>
+                              <p:cond delay="0"/>
+                            </p:stCondLst>
+                            <p:childTnLst>
+                              <p:par>
+                                <p:cTn fill="hold" nodeType="clickEffect" presetClass="entr" presetID="10" presetSubtype="0">
+                                  <p:stCondLst>
+                                    <p:cond delay="0"/>
+                                  </p:stCondLst>
+                                  <p:childTnLst>
+                                    <p:set>
+                                      <p:cBhvr>
+                                        <p:cTn dur="1" fill="hold">
+                                          <p:stCondLst>
+                                            <p:cond delay="0"/>
+                                          </p:stCondLst>
+                                        </p:cTn>
+                                        <p:tgtEl>
+                                          <p:spTgt spid="144">
+                                            <p:txEl>
+                                              <p:pRg end="7" st="7"/>
+                                            </p:txEl>
+                                          </p:spTgt>
+                                        </p:tgtEl>
+                                        <p:attrNameLst>
+                                          <p:attrName>style.visibility</p:attrName>
+                                        </p:attrNameLst>
+                                      </p:cBhvr>
+                                      <p:to>
+                                        <p:strVal val="visible"/>
+                                      </p:to>
+                                    </p:set>
+                                    <p:animEffect filter="fade" transition="in">
+                                      <p:cBhvr>
+                                        <p:cTn dur="1000"/>
+                                        <p:tgtEl>
+                                          <p:spTgt spid="144">
+                                            <p:txEl>
+                                              <p:pRg end="7" st="7"/>
+                                            </p:txEl>
+                                          </p:spTgt>
+                                        </p:tgtEl>
+                                      </p:cBhvr>
+                                    </p:animEffect>
+                                  </p:childTnLst>
+                                </p:cTn>
+                              </p:par>
+                            </p:childTnLst>
+                          </p:cTn>
+                        </p:par>
+                      </p:childTnLst>
+                    </p:cTn>
+                  </p:par>
+                  <p:par>
+                    <p:cTn fill="hold">
+                      <p:stCondLst>
+                        <p:cond delay="indefinite"/>
+                      </p:stCondLst>
+                      <p:childTnLst>
+                        <p:par>
+                          <p:cTn fill="hold">
+                            <p:stCondLst>
+                              <p:cond delay="0"/>
+                            </p:stCondLst>
+                            <p:childTnLst>
+                              <p:par>
+                                <p:cTn fill="hold" nodeType="clickEffect" presetClass="entr" presetID="10" presetSubtype="0">
+                                  <p:stCondLst>
+                                    <p:cond delay="0"/>
+                                  </p:stCondLst>
+                                  <p:childTnLst>
+                                    <p:set>
+                                      <p:cBhvr>
+                                        <p:cTn dur="1" fill="hold">
+                                          <p:stCondLst>
+                                            <p:cond delay="0"/>
+                                          </p:stCondLst>
+                                        </p:cTn>
+                                        <p:tgtEl>
+                                          <p:spTgt spid="144">
+                                            <p:txEl>
+                                              <p:pRg end="8" st="8"/>
+                                            </p:txEl>
+                                          </p:spTgt>
+                                        </p:tgtEl>
+                                        <p:attrNameLst>
+                                          <p:attrName>style.visibility</p:attrName>
+                                        </p:attrNameLst>
+                                      </p:cBhvr>
+                                      <p:to>
+                                        <p:strVal val="visible"/>
+                                      </p:to>
+                                    </p:set>
+                                    <p:animEffect filter="fade" transition="in">
+                                      <p:cBhvr>
+                                        <p:cTn dur="1000"/>
+                                        <p:tgtEl>
+                                          <p:spTgt spid="144">
+                                            <p:txEl>
+                                              <p:pRg end="8" st="8"/>
+                                            </p:txEl>
+                                          </p:spTgt>
+                                        </p:tgtEl>
+                                      </p:cBhvr>
+                                    </p:animEffect>
+                                  </p:childTnLst>
+                                </p:cTn>
+                              </p:par>
+                            </p:childTnLst>
+                          </p:cTn>
+                        </p:par>
+                      </p:childTnLst>
+                    </p:cTn>
+                  </p:par>
+                  <p:par>
+                    <p:cTn fill="hold">
+                      <p:stCondLst>
+                        <p:cond delay="indefinite"/>
+                      </p:stCondLst>
+                      <p:childTnLst>
+                        <p:par>
+                          <p:cTn fill="hold">
+                            <p:stCondLst>
+                              <p:cond delay="0"/>
+                            </p:stCondLst>
+                            <p:childTnLst>
+                              <p:par>
+                                <p:cTn fill="hold" nodeType="clickEffect" presetClass="entr" presetID="10" presetSubtype="0">
+                                  <p:stCondLst>
+                                    <p:cond delay="0"/>
+                                  </p:stCondLst>
+                                  <p:childTnLst>
+                                    <p:set>
+                                      <p:cBhvr>
+                                        <p:cTn dur="1" fill="hold">
+                                          <p:stCondLst>
+                                            <p:cond delay="0"/>
+                                          </p:stCondLst>
+                                        </p:cTn>
+                                        <p:tgtEl>
+                                          <p:spTgt spid="144">
+                                            <p:txEl>
+                                              <p:pRg end="9" st="9"/>
+                                            </p:txEl>
+                                          </p:spTgt>
+                                        </p:tgtEl>
+                                        <p:attrNameLst>
+                                          <p:attrName>style.visibility</p:attrName>
+                                        </p:attrNameLst>
+                                      </p:cBhvr>
+                                      <p:to>
+                                        <p:strVal val="visible"/>
+                                      </p:to>
+                                    </p:set>
+                                    <p:animEffect filter="fade" transition="in">
+                                      <p:cBhvr>
+                                        <p:cTn dur="1000"/>
+                                        <p:tgtEl>
+                                          <p:spTgt spid="144">
+                                            <p:txEl>
+                                              <p:pRg end="9" st="9"/>
+                                            </p:txEl>
+                                          </p:spTgt>
+                                        </p:tgtEl>
+                                      </p:cBhvr>
+                                    </p:animEffect>
+                                  </p:childTnLst>
+                                </p:cTn>
+                              </p:par>
+                            </p:childTnLst>
+                          </p:cTn>
+                        </p:par>
+                      </p:childTnLst>
+                    </p:cTn>
+                  </p:par>
+                  <p:par>
+                    <p:cTn fill="hold">
+                      <p:stCondLst>
+                        <p:cond delay="indefinite"/>
+                      </p:stCondLst>
+                      <p:childTnLst>
+                        <p:par>
+                          <p:cTn fill="hold">
+                            <p:stCondLst>
+                              <p:cond delay="0"/>
+                            </p:stCondLst>
+                            <p:childTnLst>
+                              <p:par>
+                                <p:cTn fill="hold" nodeType="clickEffect" presetClass="entr" presetID="10" presetSubtype="0">
+                                  <p:stCondLst>
+                                    <p:cond delay="0"/>
+                                  </p:stCondLst>
+                                  <p:childTnLst>
+                                    <p:set>
+                                      <p:cBhvr>
+                                        <p:cTn dur="1" fill="hold">
+                                          <p:stCondLst>
+                                            <p:cond delay="0"/>
+                                          </p:stCondLst>
+                                        </p:cTn>
+                                        <p:tgtEl>
+                                          <p:spTgt spid="144">
+                                            <p:txEl>
+                                              <p:pRg end="10" st="10"/>
+                                            </p:txEl>
+                                          </p:spTgt>
+                                        </p:tgtEl>
+                                        <p:attrNameLst>
+                                          <p:attrName>style.visibility</p:attrName>
+                                        </p:attrNameLst>
+                                      </p:cBhvr>
+                                      <p:to>
+                                        <p:strVal val="visible"/>
+                                      </p:to>
+                                    </p:set>
+                                    <p:animEffect filter="fade" transition="in">
+                                      <p:cBhvr>
+                                        <p:cTn dur="1000"/>
+                                        <p:tgtEl>
+                                          <p:spTgt spid="144">
+                                            <p:txEl>
+                                              <p:pRg end="10" st="10"/>
+                                            </p:txEl>
+                                          </p:spTgt>
+                                        </p:tgtEl>
+                                      </p:cBhvr>
+                                    </p:animEffect>
+                                  </p:childTnLst>
+                                </p:cTn>
+                              </p:par>
+                            </p:childTnLst>
+                          </p:cTn>
+                        </p:par>
+                      </p:childTnLst>
+                    </p:cTn>
+                  </p:par>
+                </p:childTnLst>
+              </p:cTn>
+              <p:prevCondLst>
+                <p:cond evt="onPrev">
+                  <p:tgtEl>
+                    <p:sldTgt/>
+                  </p:tgtEl>
+                </p:cond>
+              </p:prevCondLst>
+              <p:nextCondLst>
+                <p:cond evt="onNext">
+                  <p:tgtEl>
+                    <p:sldTgt/>
+                  </p:tgtEl>
+                </p:cond>
+              </p:nextCondLst>
+            </p:seq>
+          </p:childTnLst>
+        </p:cTn>
+      </p:par>
+    </p:tnLst>
+  </p:timing>
 </p:sld>
 </file>
 

--- a/Slides/2 - Interfacce Utente/01 - Interfacce Utente - MVC.pptx
+++ b/Slides/2 - Interfacce Utente/01 - Interfacce Utente - MVC.pptx
@@ -7808,7 +7808,7 @@
             <a:tbl>
               <a:tblPr>
                 <a:noFill/>
-                <a:tableStyleId>{8BBA306A-D0F0-4FDC-9730-2D7CA0645170}</a:tableStyleId>
+                <a:tableStyleId>{24468389-E63D-42DD-B9AC-A7A8EAD058D8}</a:tableStyleId>
               </a:tblPr>
               <a:tblGrid>
                 <a:gridCol w="4667450"/>
@@ -13583,7 +13583,7 @@
             <a:tbl>
               <a:tblPr>
                 <a:noFill/>
-                <a:tableStyleId>{8BBA306A-D0F0-4FDC-9730-2D7CA0645170}</a:tableStyleId>
+                <a:tableStyleId>{24468389-E63D-42DD-B9AC-A7A8EAD058D8}</a:tableStyleId>
               </a:tblPr>
               <a:tblGrid>
                 <a:gridCol w="4667450"/>

--- a/Slides/2 - Interfacce Utente/01 - Interfacce Utente - MVC.pptx
+++ b/Slides/2 - Interfacce Utente/01 - Interfacce Utente - MVC.pptx
@@ -7808,7 +7808,7 @@
             <a:tbl>
               <a:tblPr>
                 <a:noFill/>
-                <a:tableStyleId>{24468389-E63D-42DD-B9AC-A7A8EAD058D8}</a:tableStyleId>
+                <a:tableStyleId>{E7147F5D-D9B9-4FC0-B646-856C7271214B}</a:tableStyleId>
               </a:tblPr>
               <a:tblGrid>
                 <a:gridCol w="4667450"/>
@@ -13583,7 +13583,7 @@
             <a:tbl>
               <a:tblPr>
                 <a:noFill/>
-                <a:tableStyleId>{24468389-E63D-42DD-B9AC-A7A8EAD058D8}</a:tableStyleId>
+                <a:tableStyleId>{E7147F5D-D9B9-4FC0-B646-856C7271214B}</a:tableStyleId>
               </a:tblPr>
               <a:tblGrid>
                 <a:gridCol w="4667450"/>

--- a/Slides/2 - Interfacce Utente/01 - Interfacce Utente - MVC.pptx
+++ b/Slides/2 - Interfacce Utente/01 - Interfacce Utente - MVC.pptx
@@ -7808,7 +7808,7 @@
             <a:tbl>
               <a:tblPr>
                 <a:noFill/>
-                <a:tableStyleId>{E7147F5D-D9B9-4FC0-B646-856C7271214B}</a:tableStyleId>
+                <a:tableStyleId>{0C0A8F68-A39F-4DFC-922D-209A80A2AD34}</a:tableStyleId>
               </a:tblPr>
               <a:tblGrid>
                 <a:gridCol w="4667450"/>
@@ -13583,7 +13583,7 @@
             <a:tbl>
               <a:tblPr>
                 <a:noFill/>
-                <a:tableStyleId>{E7147F5D-D9B9-4FC0-B646-856C7271214B}</a:tableStyleId>
+                <a:tableStyleId>{0C0A8F68-A39F-4DFC-922D-209A80A2AD34}</a:tableStyleId>
               </a:tblPr>
               <a:tblGrid>
                 <a:gridCol w="4667450"/>
@@ -16206,6 +16206,285 @@
 </file>
 
 <file path=ppt/theme/theme1.xml><?xml version="1.0" encoding="utf-8"?>
+<a:theme xmlns:a="http://schemas.openxmlformats.org/drawingml/2006/main" xmlns:r="http://schemas.openxmlformats.org/officeDocument/2006/relationships">
+  <a:themeElements>
+    <a:clrScheme name="Default">
+      <a:dk1>
+        <a:srgbClr val="000000"/>
+      </a:dk1>
+      <a:lt1>
+        <a:srgbClr val="FFFFFF"/>
+      </a:lt1>
+      <a:dk2>
+        <a:srgbClr val="158158"/>
+      </a:dk2>
+      <a:lt2>
+        <a:srgbClr val="F3F3F3"/>
+      </a:lt2>
+      <a:accent1>
+        <a:srgbClr val="058DC7"/>
+      </a:accent1>
+      <a:accent2>
+        <a:srgbClr val="50B432"/>
+      </a:accent2>
+      <a:accent3>
+        <a:srgbClr val="ED561B"/>
+      </a:accent3>
+      <a:accent4>
+        <a:srgbClr val="EDEF00"/>
+      </a:accent4>
+      <a:accent5>
+        <a:srgbClr val="24CBE5"/>
+      </a:accent5>
+      <a:accent6>
+        <a:srgbClr val="64E572"/>
+      </a:accent6>
+      <a:hlink>
+        <a:srgbClr val="2200CC"/>
+      </a:hlink>
+      <a:folHlink>
+        <a:srgbClr val="551A8B"/>
+      </a:folHlink>
+    </a:clrScheme>
+    <a:fontScheme name="Office">
+      <a:majorFont>
+        <a:latin typeface="Arial"/>
+        <a:ea typeface=""/>
+        <a:cs typeface=""/>
+        <a:font script="Jpan" typeface="ＭＳ Ｐゴシック"/>
+        <a:font script="Hang" typeface="맑은 고딕"/>
+        <a:font script="Hans" typeface="宋体"/>
+        <a:font script="Hant" typeface="新細明體"/>
+        <a:font script="Arab" typeface="Times New Roman"/>
+        <a:font script="Hebr" typeface="Times New Roman"/>
+        <a:font script="Thai" typeface="Angsana New"/>
+        <a:font script="Ethi" typeface="Nyala"/>
+        <a:font script="Beng" typeface="Vrinda"/>
+        <a:font script="Gujr" typeface="Shruti"/>
+        <a:font script="Khmr" typeface="MoolBoran"/>
+        <a:font script="Knda" typeface="Tunga"/>
+        <a:font script="Guru" typeface="Raavi"/>
+        <a:font script="Cans" typeface="Euphemia"/>
+        <a:font script="Cher" typeface="Plantagenet Cherokee"/>
+        <a:font script="Yiii" typeface="Microsoft Yi Baiti"/>
+        <a:font script="Tibt" typeface="Microsoft Himalaya"/>
+        <a:font script="Thaa" typeface="MV Boli"/>
+        <a:font script="Deva" typeface="Mangal"/>
+        <a:font script="Telu" typeface="Gautami"/>
+        <a:font script="Taml" typeface="Latha"/>
+        <a:font script="Syrc" typeface="Estrangelo Edessa"/>
+        <a:font script="Orya" typeface="Kalinga"/>
+        <a:font script="Mlym" typeface="Kartika"/>
+        <a:font script="Laoo" typeface="DokChampa"/>
+        <a:font script="Sinh" typeface="Iskoola Pota"/>
+        <a:font script="Mong" typeface="Mongolian Baiti"/>
+        <a:font script="Viet" typeface="Times New Roman"/>
+        <a:font script="Uigh" typeface="Microsoft Uighur"/>
+        <a:font script="Geor" typeface="Sylfaen"/>
+      </a:majorFont>
+      <a:minorFont>
+        <a:latin typeface="Arial"/>
+        <a:ea typeface=""/>
+        <a:cs typeface=""/>
+        <a:font script="Jpan" typeface="ＭＳ Ｐゴシック"/>
+        <a:font script="Hang" typeface="맑은 고딕"/>
+        <a:font script="Hans" typeface="宋体"/>
+        <a:font script="Hant" typeface="新細明體"/>
+        <a:font script="Arab" typeface="Arial"/>
+        <a:font script="Hebr" typeface="Arial"/>
+        <a:font script="Thai" typeface="Cordia New"/>
+        <a:font script="Ethi" typeface="Nyala"/>
+        <a:font script="Beng" typeface="Vrinda"/>
+        <a:font script="Gujr" typeface="Shruti"/>
+        <a:font script="Khmr" typeface="DaunPenh"/>
+        <a:font script="Knda" typeface="Tunga"/>
+        <a:font script="Guru" typeface="Raavi"/>
+        <a:font script="Cans" typeface="Euphemia"/>
+        <a:font script="Cher" typeface="Plantagenet Cherokee"/>
+        <a:font script="Yiii" typeface="Microsoft Yi Baiti"/>
+        <a:font script="Tibt" typeface="Microsoft Himalaya"/>
+        <a:font script="Thaa" typeface="MV Boli"/>
+        <a:font script="Deva" typeface="Mangal"/>
+        <a:font script="Telu" typeface="Gautami"/>
+        <a:font script="Taml" typeface="Latha"/>
+        <a:font script="Syrc" typeface="Estrangelo Edessa"/>
+        <a:font script="Orya" typeface="Kalinga"/>
+        <a:font script="Mlym" typeface="Kartika"/>
+        <a:font script="Laoo" typeface="DokChampa"/>
+        <a:font script="Sinh" typeface="Iskoola Pota"/>
+        <a:font script="Mong" typeface="Mongolian Baiti"/>
+        <a:font script="Viet" typeface="Arial"/>
+        <a:font script="Uigh" typeface="Microsoft Uighur"/>
+        <a:font script="Geor" typeface="Sylfaen"/>
+      </a:minorFont>
+    </a:fontScheme>
+    <a:fmtScheme name="Office">
+      <a:fillStyleLst>
+        <a:solidFill>
+          <a:schemeClr val="phClr"/>
+        </a:solidFill>
+        <a:gradFill rotWithShape="1">
+          <a:gsLst>
+            <a:gs pos="0">
+              <a:schemeClr val="phClr">
+                <a:tint val="50000"/>
+                <a:satMod val="300000"/>
+              </a:schemeClr>
+            </a:gs>
+            <a:gs pos="35000">
+              <a:schemeClr val="phClr">
+                <a:tint val="37000"/>
+                <a:satMod val="300000"/>
+              </a:schemeClr>
+            </a:gs>
+            <a:gs pos="100000">
+              <a:schemeClr val="phClr">
+                <a:tint val="15000"/>
+                <a:satMod val="350000"/>
+              </a:schemeClr>
+            </a:gs>
+          </a:gsLst>
+          <a:lin ang="16200000" scaled="1"/>
+        </a:gradFill>
+        <a:gradFill rotWithShape="1">
+          <a:gsLst>
+            <a:gs pos="0">
+              <a:schemeClr val="phClr">
+                <a:tint val="100000"/>
+                <a:shade val="100000"/>
+                <a:satMod val="130000"/>
+              </a:schemeClr>
+            </a:gs>
+            <a:gs pos="100000">
+              <a:schemeClr val="phClr">
+                <a:tint val="50000"/>
+                <a:shade val="100000"/>
+                <a:satMod val="350000"/>
+              </a:schemeClr>
+            </a:gs>
+          </a:gsLst>
+          <a:lin ang="16200000" scaled="0"/>
+        </a:gradFill>
+      </a:fillStyleLst>
+      <a:lnStyleLst>
+        <a:ln w="9525" cap="flat" cmpd="sng" algn="ctr">
+          <a:solidFill>
+            <a:schemeClr val="phClr">
+              <a:shade val="95000"/>
+              <a:satMod val="105000"/>
+            </a:schemeClr>
+          </a:solidFill>
+          <a:prstDash val="solid"/>
+        </a:ln>
+        <a:ln w="25400" cap="flat" cmpd="sng" algn="ctr">
+          <a:solidFill>
+            <a:schemeClr val="phClr"/>
+          </a:solidFill>
+          <a:prstDash val="solid"/>
+        </a:ln>
+        <a:ln w="38100" cap="flat" cmpd="sng" algn="ctr">
+          <a:solidFill>
+            <a:schemeClr val="phClr"/>
+          </a:solidFill>
+          <a:prstDash val="solid"/>
+        </a:ln>
+      </a:lnStyleLst>
+      <a:effectStyleLst>
+        <a:effectStyle>
+          <a:effectLst>
+            <a:outerShdw blurRad="40000" dist="20000" dir="5400000" rotWithShape="0">
+              <a:srgbClr val="000000">
+                <a:alpha val="38000"/>
+              </a:srgbClr>
+            </a:outerShdw>
+          </a:effectLst>
+        </a:effectStyle>
+        <a:effectStyle>
+          <a:effectLst>
+            <a:outerShdw blurRad="40000" dist="23000" dir="5400000" rotWithShape="0">
+              <a:srgbClr val="000000">
+                <a:alpha val="35000"/>
+              </a:srgbClr>
+            </a:outerShdw>
+          </a:effectLst>
+        </a:effectStyle>
+        <a:effectStyle>
+          <a:effectLst>
+            <a:outerShdw blurRad="40000" dist="23000" dir="5400000" rotWithShape="0">
+              <a:srgbClr val="000000">
+                <a:alpha val="35000"/>
+              </a:srgbClr>
+            </a:outerShdw>
+          </a:effectLst>
+          <a:scene3d>
+            <a:camera prst="orthographicFront">
+              <a:rot lat="0" lon="0" rev="0"/>
+            </a:camera>
+            <a:lightRig rig="threePt" dir="t">
+              <a:rot lat="0" lon="0" rev="1200000"/>
+            </a:lightRig>
+          </a:scene3d>
+          <a:sp3d>
+            <a:bevelT w="63500" h="25400"/>
+          </a:sp3d>
+        </a:effectStyle>
+      </a:effectStyleLst>
+      <a:bgFillStyleLst>
+        <a:solidFill>
+          <a:schemeClr val="phClr"/>
+        </a:solidFill>
+        <a:gradFill rotWithShape="1">
+          <a:gsLst>
+            <a:gs pos="0">
+              <a:schemeClr val="phClr">
+                <a:tint val="40000"/>
+                <a:satMod val="350000"/>
+              </a:schemeClr>
+            </a:gs>
+            <a:gs pos="40000">
+              <a:schemeClr val="phClr">
+                <a:tint val="45000"/>
+                <a:shade val="99000"/>
+                <a:satMod val="350000"/>
+              </a:schemeClr>
+            </a:gs>
+            <a:gs pos="100000">
+              <a:schemeClr val="phClr">
+                <a:shade val="20000"/>
+                <a:satMod val="255000"/>
+              </a:schemeClr>
+            </a:gs>
+          </a:gsLst>
+          <a:path path="circle">
+            <a:fillToRect l="50000" t="-80000" r="50000" b="180000"/>
+          </a:path>
+        </a:gradFill>
+        <a:gradFill rotWithShape="1">
+          <a:gsLst>
+            <a:gs pos="0">
+              <a:schemeClr val="phClr">
+                <a:tint val="80000"/>
+                <a:satMod val="300000"/>
+              </a:schemeClr>
+            </a:gs>
+            <a:gs pos="100000">
+              <a:schemeClr val="phClr">
+                <a:shade val="30000"/>
+                <a:satMod val="200000"/>
+              </a:schemeClr>
+            </a:gs>
+          </a:gsLst>
+          <a:path path="circle">
+            <a:fillToRect l="50000" t="50000" r="50000" b="50000"/>
+          </a:path>
+        </a:gradFill>
+      </a:bgFillStyleLst>
+    </a:fmtScheme>
+  </a:themeElements>
+</a:theme>
+</file>
+
+<file path=ppt/theme/theme2.xml><?xml version="1.0" encoding="utf-8"?>
 <a:theme xmlns:a="http://schemas.openxmlformats.org/drawingml/2006/main" xmlns:r="http://schemas.openxmlformats.org/officeDocument/2006/relationships" name="Material">
   <a:themeElements>
     <a:clrScheme name="Material">
@@ -16482,283 +16761,4 @@
     </a:fmtScheme>
   </a:themeElements>
 </a:theme>
-</file>
-
-<file path=ppt/theme/theme2.xml><?xml version="1.0" encoding="utf-8"?>
-<a:theme xmlns:a="http://schemas.openxmlformats.org/drawingml/2006/main" xmlns:r="http://schemas.openxmlformats.org/officeDocument/2006/relationships">
-  <a:themeElements>
-    <a:clrScheme name="Default">
-      <a:dk1>
-        <a:srgbClr val="000000"/>
-      </a:dk1>
-      <a:lt1>
-        <a:srgbClr val="FFFFFF"/>
-      </a:lt1>
-      <a:dk2>
-        <a:srgbClr val="158158"/>
-      </a:dk2>
-      <a:lt2>
-        <a:srgbClr val="F3F3F3"/>
-      </a:lt2>
-      <a:accent1>
-        <a:srgbClr val="058DC7"/>
-      </a:accent1>
-      <a:accent2>
-        <a:srgbClr val="50B432"/>
-      </a:accent2>
-      <a:accent3>
-        <a:srgbClr val="ED561B"/>
-      </a:accent3>
-      <a:accent4>
-        <a:srgbClr val="EDEF00"/>
-      </a:accent4>
-      <a:accent5>
-        <a:srgbClr val="24CBE5"/>
-      </a:accent5>
-      <a:accent6>
-        <a:srgbClr val="64E572"/>
-      </a:accent6>
-      <a:hlink>
-        <a:srgbClr val="2200CC"/>
-      </a:hlink>
-      <a:folHlink>
-        <a:srgbClr val="551A8B"/>
-      </a:folHlink>
-    </a:clrScheme>
-    <a:fontScheme name="Office">
-      <a:majorFont>
-        <a:latin typeface="Arial"/>
-        <a:ea typeface=""/>
-        <a:cs typeface=""/>
-        <a:font script="Jpan" typeface="ＭＳ Ｐゴシック"/>
-        <a:font script="Hang" typeface="맑은 고딕"/>
-        <a:font script="Hans" typeface="宋体"/>
-        <a:font script="Hant" typeface="新細明體"/>
-        <a:font script="Arab" typeface="Times New Roman"/>
-        <a:font script="Hebr" typeface="Times New Roman"/>
-        <a:font script="Thai" typeface="Angsana New"/>
-        <a:font script="Ethi" typeface="Nyala"/>
-        <a:font script="Beng" typeface="Vrinda"/>
-        <a:font script="Gujr" typeface="Shruti"/>
-        <a:font script="Khmr" typeface="MoolBoran"/>
-        <a:font script="Knda" typeface="Tunga"/>
-        <a:font script="Guru" typeface="Raavi"/>
-        <a:font script="Cans" typeface="Euphemia"/>
-        <a:font script="Cher" typeface="Plantagenet Cherokee"/>
-        <a:font script="Yiii" typeface="Microsoft Yi Baiti"/>
-        <a:font script="Tibt" typeface="Microsoft Himalaya"/>
-        <a:font script="Thaa" typeface="MV Boli"/>
-        <a:font script="Deva" typeface="Mangal"/>
-        <a:font script="Telu" typeface="Gautami"/>
-        <a:font script="Taml" typeface="Latha"/>
-        <a:font script="Syrc" typeface="Estrangelo Edessa"/>
-        <a:font script="Orya" typeface="Kalinga"/>
-        <a:font script="Mlym" typeface="Kartika"/>
-        <a:font script="Laoo" typeface="DokChampa"/>
-        <a:font script="Sinh" typeface="Iskoola Pota"/>
-        <a:font script="Mong" typeface="Mongolian Baiti"/>
-        <a:font script="Viet" typeface="Times New Roman"/>
-        <a:font script="Uigh" typeface="Microsoft Uighur"/>
-        <a:font script="Geor" typeface="Sylfaen"/>
-      </a:majorFont>
-      <a:minorFont>
-        <a:latin typeface="Arial"/>
-        <a:ea typeface=""/>
-        <a:cs typeface=""/>
-        <a:font script="Jpan" typeface="ＭＳ Ｐゴシック"/>
-        <a:font script="Hang" typeface="맑은 고딕"/>
-        <a:font script="Hans" typeface="宋体"/>
-        <a:font script="Hant" typeface="新細明體"/>
-        <a:font script="Arab" typeface="Arial"/>
-        <a:font script="Hebr" typeface="Arial"/>
-        <a:font script="Thai" typeface="Cordia New"/>
-        <a:font script="Ethi" typeface="Nyala"/>
-        <a:font script="Beng" typeface="Vrinda"/>
-        <a:font script="Gujr" typeface="Shruti"/>
-        <a:font script="Khmr" typeface="DaunPenh"/>
-        <a:font script="Knda" typeface="Tunga"/>
-        <a:font script="Guru" typeface="Raavi"/>
-        <a:font script="Cans" typeface="Euphemia"/>
-        <a:font script="Cher" typeface="Plantagenet Cherokee"/>
-        <a:font script="Yiii" typeface="Microsoft Yi Baiti"/>
-        <a:font script="Tibt" typeface="Microsoft Himalaya"/>
-        <a:font script="Thaa" typeface="MV Boli"/>
-        <a:font script="Deva" typeface="Mangal"/>
-        <a:font script="Telu" typeface="Gautami"/>
-        <a:font script="Taml" typeface="Latha"/>
-        <a:font script="Syrc" typeface="Estrangelo Edessa"/>
-        <a:font script="Orya" typeface="Kalinga"/>
-        <a:font script="Mlym" typeface="Kartika"/>
-        <a:font script="Laoo" typeface="DokChampa"/>
-        <a:font script="Sinh" typeface="Iskoola Pota"/>
-        <a:font script="Mong" typeface="Mongolian Baiti"/>
-        <a:font script="Viet" typeface="Arial"/>
-        <a:font script="Uigh" typeface="Microsoft Uighur"/>
-        <a:font script="Geor" typeface="Sylfaen"/>
-      </a:minorFont>
-    </a:fontScheme>
-    <a:fmtScheme name="Office">
-      <a:fillStyleLst>
-        <a:solidFill>
-          <a:schemeClr val="phClr"/>
-        </a:solidFill>
-        <a:gradFill rotWithShape="1">
-          <a:gsLst>
-            <a:gs pos="0">
-              <a:schemeClr val="phClr">
-                <a:tint val="50000"/>
-                <a:satMod val="300000"/>
-              </a:schemeClr>
-            </a:gs>
-            <a:gs pos="35000">
-              <a:schemeClr val="phClr">
-                <a:tint val="37000"/>
-                <a:satMod val="300000"/>
-              </a:schemeClr>
-            </a:gs>
-            <a:gs pos="100000">
-              <a:schemeClr val="phClr">
-                <a:tint val="15000"/>
-                <a:satMod val="350000"/>
-              </a:schemeClr>
-            </a:gs>
-          </a:gsLst>
-          <a:lin ang="16200000" scaled="1"/>
-        </a:gradFill>
-        <a:gradFill rotWithShape="1">
-          <a:gsLst>
-            <a:gs pos="0">
-              <a:schemeClr val="phClr">
-                <a:tint val="100000"/>
-                <a:shade val="100000"/>
-                <a:satMod val="130000"/>
-              </a:schemeClr>
-            </a:gs>
-            <a:gs pos="100000">
-              <a:schemeClr val="phClr">
-                <a:tint val="50000"/>
-                <a:shade val="100000"/>
-                <a:satMod val="350000"/>
-              </a:schemeClr>
-            </a:gs>
-          </a:gsLst>
-          <a:lin ang="16200000" scaled="0"/>
-        </a:gradFill>
-      </a:fillStyleLst>
-      <a:lnStyleLst>
-        <a:ln w="9525" cap="flat" cmpd="sng" algn="ctr">
-          <a:solidFill>
-            <a:schemeClr val="phClr">
-              <a:shade val="95000"/>
-              <a:satMod val="105000"/>
-            </a:schemeClr>
-          </a:solidFill>
-          <a:prstDash val="solid"/>
-        </a:ln>
-        <a:ln w="25400" cap="flat" cmpd="sng" algn="ctr">
-          <a:solidFill>
-            <a:schemeClr val="phClr"/>
-          </a:solidFill>
-          <a:prstDash val="solid"/>
-        </a:ln>
-        <a:ln w="38100" cap="flat" cmpd="sng" algn="ctr">
-          <a:solidFill>
-            <a:schemeClr val="phClr"/>
-          </a:solidFill>
-          <a:prstDash val="solid"/>
-        </a:ln>
-      </a:lnStyleLst>
-      <a:effectStyleLst>
-        <a:effectStyle>
-          <a:effectLst>
-            <a:outerShdw blurRad="40000" dist="20000" dir="5400000" rotWithShape="0">
-              <a:srgbClr val="000000">
-                <a:alpha val="38000"/>
-              </a:srgbClr>
-            </a:outerShdw>
-          </a:effectLst>
-        </a:effectStyle>
-        <a:effectStyle>
-          <a:effectLst>
-            <a:outerShdw blurRad="40000" dist="23000" dir="5400000" rotWithShape="0">
-              <a:srgbClr val="000000">
-                <a:alpha val="35000"/>
-              </a:srgbClr>
-            </a:outerShdw>
-          </a:effectLst>
-        </a:effectStyle>
-        <a:effectStyle>
-          <a:effectLst>
-            <a:outerShdw blurRad="40000" dist="23000" dir="5400000" rotWithShape="0">
-              <a:srgbClr val="000000">
-                <a:alpha val="35000"/>
-              </a:srgbClr>
-            </a:outerShdw>
-          </a:effectLst>
-          <a:scene3d>
-            <a:camera prst="orthographicFront">
-              <a:rot lat="0" lon="0" rev="0"/>
-            </a:camera>
-            <a:lightRig rig="threePt" dir="t">
-              <a:rot lat="0" lon="0" rev="1200000"/>
-            </a:lightRig>
-          </a:scene3d>
-          <a:sp3d>
-            <a:bevelT w="63500" h="25400"/>
-          </a:sp3d>
-        </a:effectStyle>
-      </a:effectStyleLst>
-      <a:bgFillStyleLst>
-        <a:solidFill>
-          <a:schemeClr val="phClr"/>
-        </a:solidFill>
-        <a:gradFill rotWithShape="1">
-          <a:gsLst>
-            <a:gs pos="0">
-              <a:schemeClr val="phClr">
-                <a:tint val="40000"/>
-                <a:satMod val="350000"/>
-              </a:schemeClr>
-            </a:gs>
-            <a:gs pos="40000">
-              <a:schemeClr val="phClr">
-                <a:tint val="45000"/>
-                <a:shade val="99000"/>
-                <a:satMod val="350000"/>
-              </a:schemeClr>
-            </a:gs>
-            <a:gs pos="100000">
-              <a:schemeClr val="phClr">
-                <a:shade val="20000"/>
-                <a:satMod val="255000"/>
-              </a:schemeClr>
-            </a:gs>
-          </a:gsLst>
-          <a:path path="circle">
-            <a:fillToRect l="50000" t="-80000" r="50000" b="180000"/>
-          </a:path>
-        </a:gradFill>
-        <a:gradFill rotWithShape="1">
-          <a:gsLst>
-            <a:gs pos="0">
-              <a:schemeClr val="phClr">
-                <a:tint val="80000"/>
-                <a:satMod val="300000"/>
-              </a:schemeClr>
-            </a:gs>
-            <a:gs pos="100000">
-              <a:schemeClr val="phClr">
-                <a:shade val="30000"/>
-                <a:satMod val="200000"/>
-              </a:schemeClr>
-            </a:gs>
-          </a:gsLst>
-          <a:path path="circle">
-            <a:fillToRect l="50000" t="50000" r="50000" b="50000"/>
-          </a:path>
-        </a:gradFill>
-      </a:bgFillStyleLst>
-    </a:fmtScheme>
-  </a:themeElements>
-</a:theme>
 </file>